--- a/lingcologne2023/language_SL_SEM.pptx
+++ b/lingcologne2023/language_SL_SEM.pptx
@@ -293,7 +293,7 @@
           <a:p>
             <a:fld id="{09A3CF92-168C-4E8C-AF41-E88BDB056995}" type="datetimeFigureOut">
               <a:rPr lang="hu-HU" smtClean="0"/>
-              <a:t>2023. 06. 11.</a:t>
+              <a:t>2023. 06. 12.</a:t>
             </a:fld>
             <a:endParaRPr lang="hu-HU"/>
           </a:p>
@@ -794,7 +794,7 @@
           <a:p>
             <a:fld id="{DBDFB368-0EBB-468D-A8DC-1B6A849534EE}" type="datetimeFigureOut">
               <a:rPr lang="en-GB" smtClean="0"/>
-              <a:t>11/06/2023</a:t>
+              <a:t>12/06/2023</a:t>
             </a:fld>
             <a:endParaRPr lang="en-GB"/>
           </a:p>
@@ -994,7 +994,7 @@
           <a:p>
             <a:fld id="{DBDFB368-0EBB-468D-A8DC-1B6A849534EE}" type="datetimeFigureOut">
               <a:rPr lang="en-GB" smtClean="0"/>
-              <a:t>11/06/2023</a:t>
+              <a:t>12/06/2023</a:t>
             </a:fld>
             <a:endParaRPr lang="en-GB"/>
           </a:p>
@@ -1204,7 +1204,7 @@
           <a:p>
             <a:fld id="{DBDFB368-0EBB-468D-A8DC-1B6A849534EE}" type="datetimeFigureOut">
               <a:rPr lang="en-GB" smtClean="0"/>
-              <a:t>11/06/2023</a:t>
+              <a:t>12/06/2023</a:t>
             </a:fld>
             <a:endParaRPr lang="en-GB"/>
           </a:p>
@@ -1404,7 +1404,7 @@
           <a:p>
             <a:fld id="{DBDFB368-0EBB-468D-A8DC-1B6A849534EE}" type="datetimeFigureOut">
               <a:rPr lang="en-GB" smtClean="0"/>
-              <a:t>11/06/2023</a:t>
+              <a:t>12/06/2023</a:t>
             </a:fld>
             <a:endParaRPr lang="en-GB"/>
           </a:p>
@@ -1680,7 +1680,7 @@
           <a:p>
             <a:fld id="{DBDFB368-0EBB-468D-A8DC-1B6A849534EE}" type="datetimeFigureOut">
               <a:rPr lang="en-GB" smtClean="0"/>
-              <a:t>11/06/2023</a:t>
+              <a:t>12/06/2023</a:t>
             </a:fld>
             <a:endParaRPr lang="en-GB"/>
           </a:p>
@@ -1948,7 +1948,7 @@
           <a:p>
             <a:fld id="{DBDFB368-0EBB-468D-A8DC-1B6A849534EE}" type="datetimeFigureOut">
               <a:rPr lang="en-GB" smtClean="0"/>
-              <a:t>11/06/2023</a:t>
+              <a:t>12/06/2023</a:t>
             </a:fld>
             <a:endParaRPr lang="en-GB"/>
           </a:p>
@@ -2363,7 +2363,7 @@
           <a:p>
             <a:fld id="{DBDFB368-0EBB-468D-A8DC-1B6A849534EE}" type="datetimeFigureOut">
               <a:rPr lang="en-GB" smtClean="0"/>
-              <a:t>11/06/2023</a:t>
+              <a:t>12/06/2023</a:t>
             </a:fld>
             <a:endParaRPr lang="en-GB"/>
           </a:p>
@@ -2505,7 +2505,7 @@
           <a:p>
             <a:fld id="{DBDFB368-0EBB-468D-A8DC-1B6A849534EE}" type="datetimeFigureOut">
               <a:rPr lang="en-GB" smtClean="0"/>
-              <a:t>11/06/2023</a:t>
+              <a:t>12/06/2023</a:t>
             </a:fld>
             <a:endParaRPr lang="en-GB"/>
           </a:p>
@@ -2618,7 +2618,7 @@
           <a:p>
             <a:fld id="{DBDFB368-0EBB-468D-A8DC-1B6A849534EE}" type="datetimeFigureOut">
               <a:rPr lang="en-GB" smtClean="0"/>
-              <a:t>11/06/2023</a:t>
+              <a:t>12/06/2023</a:t>
             </a:fld>
             <a:endParaRPr lang="en-GB"/>
           </a:p>
@@ -2931,7 +2931,7 @@
           <a:p>
             <a:fld id="{DBDFB368-0EBB-468D-A8DC-1B6A849534EE}" type="datetimeFigureOut">
               <a:rPr lang="en-GB" smtClean="0"/>
-              <a:t>11/06/2023</a:t>
+              <a:t>12/06/2023</a:t>
             </a:fld>
             <a:endParaRPr lang="en-GB"/>
           </a:p>
@@ -3220,7 +3220,7 @@
           <a:p>
             <a:fld id="{DBDFB368-0EBB-468D-A8DC-1B6A849534EE}" type="datetimeFigureOut">
               <a:rPr lang="en-GB" smtClean="0"/>
-              <a:t>11/06/2023</a:t>
+              <a:t>12/06/2023</a:t>
             </a:fld>
             <a:endParaRPr lang="en-GB"/>
           </a:p>
@@ -3463,7 +3463,7 @@
           <a:p>
             <a:fld id="{DBDFB368-0EBB-468D-A8DC-1B6A849534EE}" type="datetimeFigureOut">
               <a:rPr lang="en-GB" smtClean="0"/>
-              <a:t>11/06/2023</a:t>
+              <a:t>12/06/2023</a:t>
             </a:fld>
             <a:endParaRPr lang="en-GB"/>
           </a:p>
@@ -4881,7 +4881,7 @@
               </a:pPr>
               <a:r>
                 <a:rPr lang="en-US" sz="2400" dirty="0" smtClean="0">
-                  <a:latin typeface="Montserrat" panose="00000500000000000000" pitchFamily="2" charset="-18"/>
+                  <a:latin typeface="Montserrat Medium" panose="00000600000000000000" pitchFamily="2" charset="-18"/>
                   <a:ea typeface="Roboto" panose="02000000000000000000" pitchFamily="2" charset="0"/>
                 </a:rPr>
                 <a:t>statistical learning is related to language, e.g.:</a:t>
@@ -5002,13 +5002,13 @@
               </a:pPr>
               <a:r>
                 <a:rPr lang="en-US" sz="2400" dirty="0" smtClean="0">
-                  <a:latin typeface="Montserrat" panose="00000500000000000000" pitchFamily="2" charset="-18"/>
+                  <a:latin typeface="Montserrat Medium" panose="00000600000000000000" pitchFamily="2" charset="-18"/>
                   <a:ea typeface="Roboto" panose="02000000000000000000" pitchFamily="2" charset="0"/>
                 </a:rPr>
                 <a:t>no systematic examination of this relationship, and no systematic investigation of potential mediator cognitive abilities yet</a:t>
               </a:r>
               <a:endParaRPr lang="en-US" sz="2400" dirty="0">
-                <a:latin typeface="Montserrat" panose="00000500000000000000" pitchFamily="2" charset="-18"/>
+                <a:latin typeface="Montserrat Medium" panose="00000600000000000000" pitchFamily="2" charset="-18"/>
                 <a:ea typeface="Roboto" panose="02000000000000000000" pitchFamily="2" charset="0"/>
               </a:endParaRPr>
             </a:p>
@@ -5050,7 +5050,7 @@
               </a:pPr>
               <a:r>
                 <a:rPr lang="en-US" sz="2400" dirty="0" smtClean="0">
-                  <a:latin typeface="Montserrat" panose="00000500000000000000" pitchFamily="2" charset="-18"/>
+                  <a:latin typeface="Montserrat Medium" panose="00000600000000000000" pitchFamily="2" charset="-18"/>
                   <a:ea typeface="Roboto" panose="02000000000000000000" pitchFamily="2" charset="0"/>
                 </a:rPr>
                 <a:t>this study:</a:t>
@@ -5215,7 +5215,7 @@
         <p:spPr>
           <a:xfrm>
             <a:off x="12976811" y="14225971"/>
-            <a:ext cx="15914102" cy="513346"/>
+            <a:ext cx="15914102" cy="484172"/>
           </a:xfrm>
           <a:prstGeom prst="rect">
             <a:avLst/>
@@ -5226,25 +5226,30 @@
           <a:bodyPr wrap="square" rtlCol="0">
             <a:spAutoFit/>
           </a:bodyPr>
-          <a:lstStyle/>
-          <a:p>
-            <a:pPr>
+          <a:lstStyle>
+            <a:defPPr>
+              <a:defRPr lang="en-US"/>
+            </a:defPPr>
+            <a:lvl1pPr>
               <a:lnSpc>
                 <a:spcPct val="114000"/>
               </a:lnSpc>
               <a:spcAft>
-                <a:spcPts val="2400"/>
+                <a:spcPts val="1200"/>
               </a:spcAft>
               <a:buClr>
                 <a:srgbClr val="53A394"/>
               </a:buClr>
               <a:buSzPct val="100000"/>
-            </a:pPr>
-            <a:r>
-              <a:rPr lang="en-US" sz="2400" dirty="0" smtClean="0">
-                <a:latin typeface="Montserrat" panose="00000500000000000000" pitchFamily="2" charset="-18"/>
+              <a:defRPr sz="2400">
+                <a:latin typeface="Montserrat Medium" panose="00000600000000000000" pitchFamily="2" charset="-18"/>
                 <a:ea typeface="Roboto" panose="02000000000000000000" pitchFamily="2" charset="0"/>
-              </a:rPr>
+              </a:defRPr>
+            </a:lvl1pPr>
+          </a:lstStyle>
+          <a:p>
+            <a:r>
+              <a:rPr lang="en-US" dirty="0"/>
               <a:t>offline language measures</a:t>
             </a:r>
           </a:p>
@@ -5259,7 +5264,7 @@
         <p:spPr>
           <a:xfrm>
             <a:off x="12986733" y="23307220"/>
-            <a:ext cx="15904181" cy="513346"/>
+            <a:ext cx="15904181" cy="484172"/>
           </a:xfrm>
           <a:prstGeom prst="rect">
             <a:avLst/>
@@ -5270,25 +5275,30 @@
           <a:bodyPr wrap="square" rtlCol="0">
             <a:spAutoFit/>
           </a:bodyPr>
-          <a:lstStyle/>
-          <a:p>
-            <a:pPr>
+          <a:lstStyle>
+            <a:defPPr>
+              <a:defRPr lang="en-US"/>
+            </a:defPPr>
+            <a:lvl1pPr>
               <a:lnSpc>
                 <a:spcPct val="114000"/>
               </a:lnSpc>
               <a:spcAft>
-                <a:spcPts val="2400"/>
+                <a:spcPts val="1200"/>
               </a:spcAft>
               <a:buClr>
                 <a:srgbClr val="53A394"/>
               </a:buClr>
               <a:buSzPct val="100000"/>
-            </a:pPr>
-            <a:r>
-              <a:rPr lang="en-US" sz="2400" dirty="0" smtClean="0">
-                <a:latin typeface="Montserrat" panose="00000500000000000000" pitchFamily="2" charset="-18"/>
+              <a:defRPr sz="2400">
+                <a:latin typeface="Montserrat Medium" panose="00000600000000000000" pitchFamily="2" charset="-18"/>
                 <a:ea typeface="Roboto" panose="02000000000000000000" pitchFamily="2" charset="0"/>
-              </a:rPr>
+              </a:defRPr>
+            </a:lvl1pPr>
+          </a:lstStyle>
+          <a:p>
+            <a:r>
+              <a:rPr lang="en-US" dirty="0"/>
               <a:t>predictive language measures</a:t>
             </a:r>
           </a:p>
@@ -5365,23 +5375,23 @@
                 <a:buSzPct val="75000"/>
               </a:pPr>
               <a:r>
-                <a:rPr lang="en-US" sz="2400" dirty="0" smtClean="0">
-                  <a:latin typeface="Montserrat" panose="00000500000000000000" pitchFamily="2" charset="-18"/>
+                <a:rPr lang="en-US" sz="2400" dirty="0">
+                  <a:latin typeface="Montserrat Medium" panose="00000600000000000000" pitchFamily="2" charset="-18"/>
                   <a:ea typeface="Roboto" panose="02000000000000000000" pitchFamily="2" charset="0"/>
                 </a:rPr>
                 <a:t>offline statistical learning </a:t>
               </a:r>
               <a:r>
-                <a:rPr lang="en-US" sz="2400" dirty="0" smtClean="0">
-                  <a:latin typeface="Montserrat" panose="00000500000000000000" pitchFamily="2" charset="-18"/>
+                <a:rPr lang="en-US" sz="2400" dirty="0">
+                  <a:latin typeface="Montserrat Medium" panose="00000600000000000000" pitchFamily="2" charset="-18"/>
                   <a:ea typeface="Roboto" panose="02000000000000000000" pitchFamily="2" charset="0"/>
                   <a:sym typeface="Wingdings" panose="05000000000000000000" pitchFamily="2" charset="2"/>
                 </a:rPr>
                 <a:t>tasks </a:t>
               </a:r>
               <a:r>
-                <a:rPr lang="en-US" sz="2400" dirty="0" smtClean="0">
-                  <a:latin typeface="Montserrat" panose="00000500000000000000" pitchFamily="2" charset="-18"/>
+                <a:rPr lang="en-US" sz="2400" dirty="0">
+                  <a:latin typeface="Montserrat Medium" panose="00000600000000000000" pitchFamily="2" charset="-18"/>
                   <a:ea typeface="Roboto" panose="02000000000000000000" pitchFamily="2" charset="0"/>
                 </a:rPr>
                 <a:t> offline language processing tasks</a:t>
@@ -5472,16 +5482,12 @@
                 <a:buSzPct val="75000"/>
               </a:pPr>
               <a:r>
-                <a:rPr lang="en-US" sz="2400" dirty="0" smtClean="0">
-                  <a:latin typeface="Montserrat" panose="00000500000000000000" pitchFamily="2" charset="-18"/>
+                <a:rPr lang="en-US" sz="2400" dirty="0">
+                  <a:latin typeface="Montserrat Medium" panose="00000600000000000000" pitchFamily="2" charset="-18"/>
                   <a:ea typeface="Roboto" panose="02000000000000000000" pitchFamily="2" charset="0"/>
                 </a:rPr>
                 <a:t>the relationship between statistical learning and predictive language processing is mostly explained by cognitive abilities</a:t>
               </a:r>
-              <a:endParaRPr lang="en-US" sz="2400" dirty="0">
-                <a:latin typeface="Montserrat" panose="00000500000000000000" pitchFamily="2" charset="-18"/>
-                <a:ea typeface="Roboto" panose="02000000000000000000" pitchFamily="2" charset="0"/>
-              </a:endParaRPr>
             </a:p>
           </p:txBody>
         </p:sp>
@@ -5533,6 +5539,9 @@
                 <a:lnSpc>
                   <a:spcPct val="110000"/>
                 </a:lnSpc>
+                <a:spcBef>
+                  <a:spcPts val="200"/>
+                </a:spcBef>
                 <a:spcAft>
                   <a:spcPts val="600"/>
                 </a:spcAft>
@@ -5542,8 +5551,8 @@
                 <a:buSzPct val="75000"/>
               </a:pPr>
               <a:r>
-                <a:rPr lang="en-US" sz="2400" dirty="0" smtClean="0">
-                  <a:latin typeface="Montserrat" panose="00000500000000000000" pitchFamily="2" charset="-18"/>
+                <a:rPr lang="en-US" sz="2400" dirty="0">
+                  <a:latin typeface="Montserrat Medium" panose="00000600000000000000" pitchFamily="2" charset="-18"/>
                   <a:ea typeface="Roboto" panose="02000000000000000000" pitchFamily="2" charset="0"/>
                 </a:rPr>
                 <a:t>questions:</a:t>
@@ -5612,8 +5621,8 @@
                 <a:buSzPct val="75000"/>
               </a:pPr>
               <a:r>
-                <a:rPr lang="en-US" sz="2400" dirty="0" smtClean="0">
-                  <a:latin typeface="Montserrat" panose="00000500000000000000" pitchFamily="2" charset="-18"/>
+                <a:rPr lang="en-US" sz="2400" dirty="0">
+                  <a:latin typeface="Montserrat Medium" panose="00000600000000000000" pitchFamily="2" charset="-18"/>
                   <a:ea typeface="Roboto" panose="02000000000000000000" pitchFamily="2" charset="0"/>
                 </a:rPr>
                 <a:t>future directions:</a:t>
@@ -7124,7 +7133,7 @@
           <p:spPr>
             <a:xfrm>
               <a:off x="2584715" y="18388655"/>
-              <a:ext cx="8772259" cy="513346"/>
+              <a:ext cx="8772259" cy="484172"/>
             </a:xfrm>
             <a:prstGeom prst="rect">
               <a:avLst/>
@@ -7151,13 +7160,13 @@
               </a:pPr>
               <a:r>
                 <a:rPr lang="en-US" sz="2400" dirty="0" smtClean="0">
-                  <a:latin typeface="Montserrat" panose="00000500000000000000" pitchFamily="2" charset="-18"/>
+                  <a:latin typeface="Montserrat Medium" panose="00000600000000000000" pitchFamily="2" charset="-18"/>
                   <a:ea typeface="Roboto" panose="02000000000000000000" pitchFamily="2" charset="0"/>
                 </a:rPr>
                 <a:t>statistical learning</a:t>
               </a:r>
               <a:endParaRPr lang="en-US" sz="2400" dirty="0">
-                <a:latin typeface="Montserrat" panose="00000500000000000000" pitchFamily="2" charset="-18"/>
+                <a:latin typeface="Montserrat Medium" panose="00000600000000000000" pitchFamily="2" charset="-18"/>
                 <a:ea typeface="Roboto" panose="02000000000000000000" pitchFamily="2" charset="0"/>
               </a:endParaRPr>
             </a:p>
@@ -7289,7 +7298,7 @@
           <p:spPr>
             <a:xfrm>
               <a:off x="2584715" y="18388655"/>
-              <a:ext cx="8988102" cy="513346"/>
+              <a:ext cx="8988102" cy="484172"/>
             </a:xfrm>
             <a:prstGeom prst="rect">
               <a:avLst/>
@@ -7300,9 +7309,11 @@
             <a:bodyPr wrap="square" rtlCol="0">
               <a:spAutoFit/>
             </a:bodyPr>
-            <a:lstStyle/>
-            <a:p>
-              <a:pPr>
+            <a:lstStyle>
+              <a:defPPr>
+                <a:defRPr lang="en-US"/>
+              </a:defPPr>
+              <a:lvl1pPr>
                 <a:lnSpc>
                   <a:spcPct val="114000"/>
                 </a:lnSpc>
@@ -7313,18 +7324,17 @@
                   <a:srgbClr val="53A394"/>
                 </a:buClr>
                 <a:buSzPct val="100000"/>
-              </a:pPr>
-              <a:r>
-                <a:rPr lang="en-US" sz="2400" dirty="0" smtClean="0">
-                  <a:latin typeface="Montserrat" panose="00000500000000000000" pitchFamily="2" charset="-18"/>
+                <a:defRPr sz="2400">
+                  <a:latin typeface="Montserrat Medium" panose="00000600000000000000" pitchFamily="2" charset="-18"/>
                   <a:ea typeface="Roboto" panose="02000000000000000000" pitchFamily="2" charset="0"/>
-                </a:rPr>
+                </a:defRPr>
+              </a:lvl1pPr>
+            </a:lstStyle>
+            <a:p>
+              <a:r>
+                <a:rPr lang="en-US" dirty="0"/>
                 <a:t>nonlinguistic cognitive skills</a:t>
               </a:r>
-              <a:endParaRPr lang="en-US" sz="2400" dirty="0">
-                <a:latin typeface="Montserrat" panose="00000500000000000000" pitchFamily="2" charset="-18"/>
-                <a:ea typeface="Roboto" panose="02000000000000000000" pitchFamily="2" charset="0"/>
-              </a:endParaRPr>
             </a:p>
           </p:txBody>
         </p:sp>
@@ -7454,7 +7464,7 @@
           <p:spPr>
             <a:xfrm>
               <a:off x="2584715" y="18388655"/>
-              <a:ext cx="8988102" cy="513346"/>
+              <a:ext cx="8988102" cy="484172"/>
             </a:xfrm>
             <a:prstGeom prst="rect">
               <a:avLst/>
@@ -7465,9 +7475,11 @@
             <a:bodyPr wrap="square" rtlCol="0">
               <a:spAutoFit/>
             </a:bodyPr>
-            <a:lstStyle/>
-            <a:p>
-              <a:pPr>
+            <a:lstStyle>
+              <a:defPPr>
+                <a:defRPr lang="en-US"/>
+              </a:defPPr>
+              <a:lvl1pPr>
                 <a:lnSpc>
                   <a:spcPct val="114000"/>
                 </a:lnSpc>
@@ -7478,18 +7490,17 @@
                   <a:srgbClr val="53A394"/>
                 </a:buClr>
                 <a:buSzPct val="100000"/>
-              </a:pPr>
-              <a:r>
-                <a:rPr lang="en-US" sz="2400" dirty="0" smtClean="0">
-                  <a:latin typeface="Montserrat" panose="00000500000000000000" pitchFamily="2" charset="-18"/>
+                <a:defRPr sz="2400">
+                  <a:latin typeface="Montserrat Medium" panose="00000600000000000000" pitchFamily="2" charset="-18"/>
                   <a:ea typeface="Roboto" panose="02000000000000000000" pitchFamily="2" charset="0"/>
-                </a:rPr>
+                </a:defRPr>
+              </a:lvl1pPr>
+            </a:lstStyle>
+            <a:p>
+              <a:r>
+                <a:rPr lang="en-US" dirty="0"/>
                 <a:t>language</a:t>
               </a:r>
-              <a:endParaRPr lang="en-US" sz="2400" dirty="0">
-                <a:latin typeface="Montserrat" panose="00000500000000000000" pitchFamily="2" charset="-18"/>
-                <a:ea typeface="Roboto" panose="02000000000000000000" pitchFamily="2" charset="0"/>
-              </a:endParaRPr>
             </a:p>
           </p:txBody>
         </p:sp>

--- a/lingcologne2023/language_SL_SEM.pptx
+++ b/lingcologne2023/language_SL_SEM.pptx
@@ -357,38 +357,37 @@
           <a:p>
             <a:pPr lvl="0"/>
             <a:r>
-              <a:rPr lang="hu-HU" smtClean="0"/>
+              <a:rPr lang="hu-HU"/>
               <a:t>Mintaszöveg szerkesztése</a:t>
             </a:r>
           </a:p>
           <a:p>
             <a:pPr lvl="1"/>
             <a:r>
-              <a:rPr lang="hu-HU" smtClean="0"/>
+              <a:rPr lang="hu-HU"/>
               <a:t>Második szint</a:t>
             </a:r>
           </a:p>
           <a:p>
             <a:pPr lvl="2"/>
             <a:r>
-              <a:rPr lang="hu-HU" smtClean="0"/>
+              <a:rPr lang="hu-HU"/>
               <a:t>Harmadik szint</a:t>
             </a:r>
           </a:p>
           <a:p>
             <a:pPr lvl="3"/>
             <a:r>
-              <a:rPr lang="hu-HU" smtClean="0"/>
+              <a:rPr lang="hu-HU"/>
               <a:t>Negyedik szint</a:t>
             </a:r>
           </a:p>
           <a:p>
             <a:pPr lvl="4"/>
             <a:r>
-              <a:rPr lang="hu-HU" smtClean="0"/>
+              <a:rPr lang="hu-HU"/>
               <a:t>Ötödik szint</a:t>
             </a:r>
-            <a:endParaRPr lang="hu-HU"/>
           </a:p>
         </p:txBody>
       </p:sp>
@@ -4019,10 +4018,9 @@
           </a:lstStyle>
           <a:p>
             <a:r>
-              <a:rPr lang="en-US" dirty="0" smtClean="0"/>
+              <a:rPr lang="en-US" dirty="0"/>
               <a:t>Background and aims</a:t>
             </a:r>
-            <a:endParaRPr lang="en-US" dirty="0"/>
           </a:p>
         </p:txBody>
       </p:sp>
@@ -4059,10 +4057,9 @@
           </a:lstStyle>
           <a:p>
             <a:r>
-              <a:rPr lang="en-US" dirty="0" smtClean="0"/>
+              <a:rPr lang="en-US" dirty="0"/>
               <a:t>The study</a:t>
             </a:r>
-            <a:endParaRPr lang="en-US" dirty="0"/>
           </a:p>
         </p:txBody>
       </p:sp>
@@ -4099,10 +4096,9 @@
           </a:lstStyle>
           <a:p>
             <a:r>
-              <a:rPr lang="en-US" sz="2400" dirty="0" smtClean="0"/>
+              <a:rPr lang="en-US" sz="2400" dirty="0"/>
               <a:t>References</a:t>
             </a:r>
-            <a:endParaRPr lang="en-US" sz="2400" dirty="0"/>
           </a:p>
         </p:txBody>
       </p:sp>
@@ -4139,10 +4135,9 @@
           </a:lstStyle>
           <a:p>
             <a:r>
-              <a:rPr lang="en-US" sz="2400" dirty="0" smtClean="0"/>
+              <a:rPr lang="en-US" sz="2400" dirty="0"/>
               <a:t>Contact</a:t>
             </a:r>
-            <a:endParaRPr lang="en-US" sz="2400" dirty="0"/>
           </a:p>
         </p:txBody>
       </p:sp>
@@ -4179,10 +4174,9 @@
           </a:lstStyle>
           <a:p>
             <a:r>
-              <a:rPr lang="en-US" sz="2400" dirty="0" smtClean="0"/>
+              <a:rPr lang="en-US" sz="2400" dirty="0"/>
               <a:t>Download the PDF!</a:t>
             </a:r>
-            <a:endParaRPr lang="en-US" sz="2400" dirty="0"/>
           </a:p>
         </p:txBody>
       </p:sp>
@@ -4217,7 +4211,7 @@
               </a:spcAft>
             </a:pPr>
             <a:r>
-              <a:rPr lang="en-US" sz="1200" dirty="0" smtClean="0">
+              <a:rPr lang="en-US" sz="1200" dirty="0">
                 <a:latin typeface="Montserrat" panose="00000500000000000000" pitchFamily="2" charset="-18"/>
               </a:rPr>
               <a:t>lukics.krisztina.sara@ttk.bme.hu</a:t>
@@ -4233,14 +4227,11 @@
               </a:spcAft>
             </a:pPr>
             <a:r>
-              <a:rPr lang="en-US" sz="1200" dirty="0" smtClean="0">
+              <a:rPr lang="en-US" sz="1200" dirty="0">
                 <a:latin typeface="Montserrat" panose="00000500000000000000" pitchFamily="2" charset="-18"/>
               </a:rPr>
               <a:t>balintugrin@yahoo.de</a:t>
             </a:r>
-            <a:endParaRPr lang="en-US" sz="1200" dirty="0">
-              <a:latin typeface="Montserrat" panose="00000500000000000000" pitchFamily="2" charset="-18"/>
-            </a:endParaRPr>
           </a:p>
         </p:txBody>
       </p:sp>
@@ -4280,18 +4271,13 @@
           </a:lstStyle>
           <a:p>
             <a:r>
-              <a:rPr lang="en-US" sz="4800" dirty="0" smtClean="0">
+              <a:rPr lang="en-US" sz="4800" dirty="0">
                 <a:solidFill>
                   <a:schemeClr val="tx1"/>
                 </a:solidFill>
               </a:rPr>
               <a:t>Factors behind language processing</a:t>
             </a:r>
-            <a:endParaRPr lang="en-US" sz="4800" dirty="0">
-              <a:solidFill>
-                <a:schemeClr val="tx1"/>
-              </a:solidFill>
-            </a:endParaRPr>
           </a:p>
         </p:txBody>
       </p:sp>
@@ -4331,18 +4317,13 @@
           </a:lstStyle>
           <a:p>
             <a:r>
-              <a:rPr lang="en-US" sz="4800" dirty="0" smtClean="0">
+              <a:rPr lang="en-US" sz="4800" dirty="0">
                 <a:solidFill>
                   <a:schemeClr val="tx1"/>
                 </a:solidFill>
               </a:rPr>
               <a:t>Tasks</a:t>
             </a:r>
-            <a:endParaRPr lang="en-US" sz="4800" dirty="0">
-              <a:solidFill>
-                <a:schemeClr val="tx1"/>
-              </a:solidFill>
-            </a:endParaRPr>
           </a:p>
         </p:txBody>
       </p:sp>
@@ -4388,31 +4369,31 @@
                 </a:lnSpc>
               </a:pPr>
               <a:r>
-                <a:rPr lang="en-US" sz="1200" spc="-50" dirty="0" smtClean="0">
+                <a:rPr lang="en-US" sz="1200" spc="-50" dirty="0">
                   <a:latin typeface="Montserrat" panose="00000500000000000000" pitchFamily="2" charset="-18"/>
                 </a:rPr>
                 <a:t>Conway, C. M., </a:t>
               </a:r>
               <a:r>
-                <a:rPr lang="en-US" sz="1200" spc="-50" dirty="0" err="1" smtClean="0">
+                <a:rPr lang="en-US" sz="1200" spc="-50" dirty="0" err="1">
                   <a:latin typeface="Montserrat" panose="00000500000000000000" pitchFamily="2" charset="-18"/>
                 </a:rPr>
                 <a:t>Bauernschmidt</a:t>
               </a:r>
               <a:r>
-                <a:rPr lang="en-US" sz="1200" spc="-50" dirty="0" smtClean="0">
+                <a:rPr lang="en-US" sz="1200" spc="-50" dirty="0">
                   <a:latin typeface="Montserrat" panose="00000500000000000000" pitchFamily="2" charset="-18"/>
                 </a:rPr>
                 <a:t>, A., Huang, S. S., &amp; </a:t>
               </a:r>
               <a:r>
-                <a:rPr lang="en-US" sz="1200" spc="-50" dirty="0" err="1" smtClean="0">
+                <a:rPr lang="en-US" sz="1200" spc="-50" dirty="0" err="1">
                   <a:latin typeface="Montserrat" panose="00000500000000000000" pitchFamily="2" charset="-18"/>
                 </a:rPr>
                 <a:t>Pisoni</a:t>
               </a:r>
               <a:r>
-                <a:rPr lang="en-US" sz="1200" spc="-50" dirty="0" smtClean="0">
+                <a:rPr lang="en-US" sz="1200" spc="-50" dirty="0">
                   <a:latin typeface="Montserrat" panose="00000500000000000000" pitchFamily="2" charset="-18"/>
                 </a:rPr>
                 <a:t>, D. B. (2010). Implicit statistical learning in language processing: Word predictability is the key. Cognition, 114(3), 356-371.</a:t>
@@ -4425,55 +4406,55 @@
                 </a:lnSpc>
               </a:pPr>
               <a:r>
-                <a:rPr lang="en-US" sz="1200" spc="-50" dirty="0" smtClean="0">
+                <a:rPr lang="en-US" sz="1200" spc="-50" dirty="0">
                   <a:latin typeface="Montserrat" panose="00000500000000000000" pitchFamily="2" charset="-18"/>
                 </a:rPr>
                 <a:t>Hintz, F., </a:t>
               </a:r>
               <a:r>
-                <a:rPr lang="en-US" sz="1200" spc="-50" dirty="0" err="1" smtClean="0">
+                <a:rPr lang="en-US" sz="1200" spc="-50" dirty="0" err="1">
                   <a:latin typeface="Montserrat" panose="00000500000000000000" pitchFamily="2" charset="-18"/>
                 </a:rPr>
                 <a:t>Voeten</a:t>
               </a:r>
               <a:r>
-                <a:rPr lang="en-US" sz="1200" spc="-50" dirty="0" smtClean="0">
+                <a:rPr lang="en-US" sz="1200" spc="-50" dirty="0">
                   <a:latin typeface="Montserrat" panose="00000500000000000000" pitchFamily="2" charset="-18"/>
                 </a:rPr>
                 <a:t>, C. C., </a:t>
               </a:r>
               <a:r>
-                <a:rPr lang="en-US" sz="1200" spc="-50" dirty="0" err="1" smtClean="0">
+                <a:rPr lang="en-US" sz="1200" spc="-50" dirty="0" err="1">
                   <a:latin typeface="Montserrat" panose="00000500000000000000" pitchFamily="2" charset="-18"/>
                 </a:rPr>
                 <a:t>Dobó</a:t>
               </a:r>
               <a:r>
-                <a:rPr lang="en-US" sz="1200" spc="-50" dirty="0" smtClean="0">
+                <a:rPr lang="en-US" sz="1200" spc="-50" dirty="0">
                   <a:latin typeface="Montserrat" panose="00000500000000000000" pitchFamily="2" charset="-18"/>
                 </a:rPr>
                 <a:t>, D., </a:t>
               </a:r>
               <a:r>
-                <a:rPr lang="en-US" sz="1200" spc="-50" dirty="0" err="1" smtClean="0">
+                <a:rPr lang="en-US" sz="1200" spc="-50" dirty="0" err="1">
                   <a:latin typeface="Montserrat" panose="00000500000000000000" pitchFamily="2" charset="-18"/>
                 </a:rPr>
                 <a:t>Lukics</a:t>
               </a:r>
               <a:r>
-                <a:rPr lang="en-US" sz="1200" spc="-50" dirty="0" smtClean="0">
+                <a:rPr lang="en-US" sz="1200" spc="-50" dirty="0">
                   <a:latin typeface="Montserrat" panose="00000500000000000000" pitchFamily="2" charset="-18"/>
                 </a:rPr>
                 <a:t>, K. S., &amp; </a:t>
               </a:r>
               <a:r>
-                <a:rPr lang="en-US" sz="1200" spc="-50" dirty="0" err="1" smtClean="0">
+                <a:rPr lang="en-US" sz="1200" spc="-50" dirty="0" err="1">
                   <a:latin typeface="Montserrat" panose="00000500000000000000" pitchFamily="2" charset="-18"/>
                 </a:rPr>
                 <a:t>Lukács</a:t>
               </a:r>
               <a:r>
-                <a:rPr lang="en-US" sz="1200" spc="-50" dirty="0" smtClean="0">
+                <a:rPr lang="en-US" sz="1200" spc="-50" dirty="0">
                   <a:latin typeface="Montserrat" panose="00000500000000000000" pitchFamily="2" charset="-18"/>
                 </a:rPr>
                 <a:t>, Á. (2023). The role of general cognitive skills in integrating visual and linguistic information during sentence comprehension: Individual differences across the lifespan [Manuscript submitted for publication].</a:t>
@@ -4486,7 +4467,7 @@
                 </a:lnSpc>
               </a:pPr>
               <a:r>
-                <a:rPr lang="en-US" sz="1200" spc="-50" dirty="0" smtClean="0">
+                <a:rPr lang="en-US" sz="1200" spc="-50" dirty="0">
                   <a:latin typeface="Montserrat" panose="00000500000000000000" pitchFamily="2" charset="-18"/>
                 </a:rPr>
                 <a:t>Kidd, E. (2012). Implicit statistical learning is directly associated with the acquisition of syntax. Developmental psychology, 48(1), 171.</a:t>
@@ -4499,26 +4480,23 @@
                 </a:lnSpc>
               </a:pPr>
               <a:r>
-                <a:rPr lang="en-US" sz="1200" spc="-50" dirty="0" smtClean="0">
+                <a:rPr lang="en-US" sz="1200" spc="-50" dirty="0">
                   <a:latin typeface="Montserrat" panose="00000500000000000000" pitchFamily="2" charset="-18"/>
                 </a:rPr>
                 <a:t>Kidd, E., &amp; </a:t>
               </a:r>
               <a:r>
-                <a:rPr lang="en-US" sz="1200" spc="-50" dirty="0" err="1" smtClean="0">
+                <a:rPr lang="en-US" sz="1200" spc="-50" dirty="0" err="1">
                   <a:latin typeface="Montserrat" panose="00000500000000000000" pitchFamily="2" charset="-18"/>
                 </a:rPr>
                 <a:t>Arciuli</a:t>
               </a:r>
               <a:r>
-                <a:rPr lang="en-US" sz="1200" spc="-50" dirty="0" smtClean="0">
+                <a:rPr lang="en-US" sz="1200" spc="-50" dirty="0">
                   <a:latin typeface="Montserrat" panose="00000500000000000000" pitchFamily="2" charset="-18"/>
                 </a:rPr>
                 <a:t>, J. (2016). Individual differences in statistical learning predict children's comprehension of syntax. Child development, 87(1), 184-193.</a:t>
               </a:r>
-              <a:endParaRPr lang="en-US" sz="1200" spc="-50" dirty="0">
-                <a:latin typeface="Montserrat" panose="00000500000000000000" pitchFamily="2" charset="-18"/>
-              </a:endParaRPr>
             </a:p>
           </p:txBody>
         </p:sp>
@@ -4550,73 +4528,73 @@
                 </a:lnSpc>
               </a:pPr>
               <a:r>
-                <a:rPr lang="en-US" sz="1200" spc="-50" dirty="0" err="1" smtClean="0">
+                <a:rPr lang="en-US" sz="1200" spc="-50" dirty="0" err="1">
                   <a:latin typeface="Montserrat" panose="00000500000000000000" pitchFamily="2" charset="-18"/>
                 </a:rPr>
                 <a:t>Lukács</a:t>
               </a:r>
               <a:r>
-                <a:rPr lang="en-US" sz="1200" spc="-50" dirty="0" smtClean="0">
+                <a:rPr lang="en-US" sz="1200" spc="-50" dirty="0">
                   <a:latin typeface="Montserrat" panose="00000500000000000000" pitchFamily="2" charset="-18"/>
                 </a:rPr>
                 <a:t>, Á., &amp; </a:t>
               </a:r>
               <a:r>
-                <a:rPr lang="en-US" sz="1200" spc="-50" dirty="0" err="1" smtClean="0">
+                <a:rPr lang="en-US" sz="1200" spc="-50" dirty="0" err="1">
                   <a:latin typeface="Montserrat" panose="00000500000000000000" pitchFamily="2" charset="-18"/>
                 </a:rPr>
                 <a:t>Kas</a:t>
               </a:r>
               <a:r>
-                <a:rPr lang="en-US" sz="1200" spc="-50" dirty="0" smtClean="0">
+                <a:rPr lang="en-US" sz="1200" spc="-50" dirty="0">
                   <a:latin typeface="Montserrat" panose="00000500000000000000" pitchFamily="2" charset="-18"/>
                 </a:rPr>
                 <a:t>, B. (in preparation). Development and standardization of a comprehensive developmental speech and language screening test (</a:t>
               </a:r>
               <a:r>
-                <a:rPr lang="en-US" sz="1200" spc="-50" dirty="0" err="1" smtClean="0">
+                <a:rPr lang="en-US" sz="1200" spc="-50" dirty="0" err="1">
                   <a:latin typeface="Montserrat" panose="00000500000000000000" pitchFamily="2" charset="-18"/>
                 </a:rPr>
                 <a:t>Komplex</a:t>
               </a:r>
               <a:r>
-                <a:rPr lang="en-US" sz="1200" spc="-50" dirty="0" smtClean="0">
+                <a:rPr lang="en-US" sz="1200" spc="-50" dirty="0">
                   <a:latin typeface="Montserrat" panose="00000500000000000000" pitchFamily="2" charset="-18"/>
                 </a:rPr>
                 <a:t> </a:t>
               </a:r>
               <a:r>
-                <a:rPr lang="en-US" sz="1200" spc="-50" dirty="0" err="1" smtClean="0">
+                <a:rPr lang="en-US" sz="1200" spc="-50" dirty="0" err="1">
                   <a:latin typeface="Montserrat" panose="00000500000000000000" pitchFamily="2" charset="-18"/>
                 </a:rPr>
                 <a:t>Beszélt</a:t>
               </a:r>
               <a:r>
-                <a:rPr lang="en-US" sz="1200" spc="-50" dirty="0" smtClean="0">
+                <a:rPr lang="en-US" sz="1200" spc="-50" dirty="0">
                   <a:latin typeface="Montserrat" panose="00000500000000000000" pitchFamily="2" charset="-18"/>
                 </a:rPr>
                 <a:t> </a:t>
               </a:r>
               <a:r>
-                <a:rPr lang="en-US" sz="1200" spc="-50" dirty="0" err="1" smtClean="0">
+                <a:rPr lang="en-US" sz="1200" spc="-50" dirty="0" err="1">
                   <a:latin typeface="Montserrat" panose="00000500000000000000" pitchFamily="2" charset="-18"/>
                 </a:rPr>
                 <a:t>Anyanyelvi</a:t>
               </a:r>
               <a:r>
-                <a:rPr lang="en-US" sz="1200" spc="-50" dirty="0" smtClean="0">
+                <a:rPr lang="en-US" sz="1200" spc="-50" dirty="0">
                   <a:latin typeface="Montserrat" panose="00000500000000000000" pitchFamily="2" charset="-18"/>
                 </a:rPr>
                 <a:t> </a:t>
               </a:r>
               <a:r>
-                <a:rPr lang="en-US" sz="1200" spc="-50" dirty="0" err="1" smtClean="0">
+                <a:rPr lang="en-US" sz="1200" spc="-50" dirty="0" err="1">
                   <a:latin typeface="Montserrat" panose="00000500000000000000" pitchFamily="2" charset="-18"/>
                 </a:rPr>
                 <a:t>Képességteszt</a:t>
               </a:r>
               <a:r>
-                <a:rPr lang="en-US" sz="1200" spc="-50" dirty="0" smtClean="0">
+                <a:rPr lang="en-US" sz="1200" spc="-50" dirty="0">
                   <a:latin typeface="Montserrat" panose="00000500000000000000" pitchFamily="2" charset="-18"/>
                 </a:rPr>
                 <a:t>, KOBAK)</a:t>
@@ -4629,49 +4607,49 @@
                 </a:lnSpc>
               </a:pPr>
               <a:r>
-                <a:rPr lang="en-US" sz="1200" spc="-50" dirty="0" err="1" smtClean="0">
+                <a:rPr lang="en-US" sz="1200" spc="-50" dirty="0" err="1">
                   <a:latin typeface="Montserrat" panose="00000500000000000000" pitchFamily="2" charset="-18"/>
                 </a:rPr>
                 <a:t>Lukacs</a:t>
               </a:r>
               <a:r>
-                <a:rPr lang="en-US" sz="1200" spc="-50" dirty="0" smtClean="0">
+                <a:rPr lang="en-US" sz="1200" spc="-50" dirty="0">
                   <a:latin typeface="Montserrat" panose="00000500000000000000" pitchFamily="2" charset="-18"/>
                 </a:rPr>
                 <a:t>, </a:t>
               </a:r>
               <a:r>
-                <a:rPr lang="en-US" sz="1200" spc="-50" dirty="0" err="1" smtClean="0">
+                <a:rPr lang="en-US" sz="1200" spc="-50" dirty="0" err="1">
                   <a:latin typeface="Montserrat" panose="00000500000000000000" pitchFamily="2" charset="-18"/>
                 </a:rPr>
                 <a:t>Kas</a:t>
               </a:r>
               <a:r>
-                <a:rPr lang="en-US" sz="1200" spc="-50" dirty="0" smtClean="0">
+                <a:rPr lang="en-US" sz="1200" spc="-50" dirty="0">
                   <a:latin typeface="Montserrat" panose="00000500000000000000" pitchFamily="2" charset="-18"/>
                 </a:rPr>
                 <a:t>, </a:t>
               </a:r>
               <a:r>
-                <a:rPr lang="en-US" sz="1200" spc="-50" dirty="0" err="1" smtClean="0">
+                <a:rPr lang="en-US" sz="1200" spc="-50" dirty="0" err="1">
                   <a:latin typeface="Montserrat" panose="00000500000000000000" pitchFamily="2" charset="-18"/>
                 </a:rPr>
                 <a:t>Takacs</a:t>
               </a:r>
               <a:r>
-                <a:rPr lang="en-US" sz="1200" spc="-50" dirty="0" smtClean="0">
+                <a:rPr lang="en-US" sz="1200" spc="-50" dirty="0">
                   <a:latin typeface="Montserrat" panose="00000500000000000000" pitchFamily="2" charset="-18"/>
                 </a:rPr>
                 <a:t>, &amp; </a:t>
               </a:r>
               <a:r>
-                <a:rPr lang="en-US" sz="1200" spc="-50" dirty="0" err="1" smtClean="0">
+                <a:rPr lang="en-US" sz="1200" spc="-50" dirty="0" err="1">
                   <a:latin typeface="Montserrat" panose="00000500000000000000" pitchFamily="2" charset="-18"/>
                 </a:rPr>
                 <a:t>Vidnyánszky</a:t>
               </a:r>
               <a:r>
-                <a:rPr lang="en-US" sz="1200" spc="-50" dirty="0" smtClean="0">
+                <a:rPr lang="en-US" sz="1200" spc="-50" dirty="0">
                   <a:latin typeface="Montserrat" panose="00000500000000000000" pitchFamily="2" charset="-18"/>
                 </a:rPr>
                 <a:t> (in preparation). Test battery for examining reading abilities in adolescents and adults.</a:t>
@@ -4684,13 +4662,13 @@
                 </a:lnSpc>
               </a:pPr>
               <a:r>
-                <a:rPr lang="en-US" sz="1200" spc="-50" dirty="0" err="1" smtClean="0">
+                <a:rPr lang="en-US" sz="1200" spc="-50" dirty="0" err="1">
                   <a:latin typeface="Montserrat" panose="00000500000000000000" pitchFamily="2" charset="-18"/>
                 </a:rPr>
                 <a:t>Misyak</a:t>
               </a:r>
               <a:r>
-                <a:rPr lang="en-US" sz="1200" spc="-50" dirty="0" smtClean="0">
+                <a:rPr lang="en-US" sz="1200" spc="-50" dirty="0">
                   <a:latin typeface="Montserrat" panose="00000500000000000000" pitchFamily="2" charset="-18"/>
                 </a:rPr>
                 <a:t>, J. B., &amp; Christiansen, M. H. (2012). Statistical learning and language: An individual differences study. Language Learning, 62(1), 302-331.</a:t>
@@ -4703,32 +4681,29 @@
                 </a:lnSpc>
               </a:pPr>
               <a:r>
-                <a:rPr lang="en-US" sz="1200" spc="-50" dirty="0" err="1" smtClean="0">
+                <a:rPr lang="en-US" sz="1200" spc="-50" dirty="0" err="1">
                   <a:latin typeface="Montserrat" panose="00000500000000000000" pitchFamily="2" charset="-18"/>
                 </a:rPr>
                 <a:t>Siegelman</a:t>
               </a:r>
               <a:r>
-                <a:rPr lang="en-US" sz="1200" spc="-50" dirty="0" smtClean="0">
+                <a:rPr lang="en-US" sz="1200" spc="-50" dirty="0">
                   <a:latin typeface="Montserrat" panose="00000500000000000000" pitchFamily="2" charset="-18"/>
                 </a:rPr>
                 <a:t>, N., </a:t>
               </a:r>
               <a:r>
-                <a:rPr lang="en-US" sz="1200" spc="-50" dirty="0" err="1" smtClean="0">
+                <a:rPr lang="en-US" sz="1200" spc="-50" dirty="0" err="1">
                   <a:latin typeface="Montserrat" panose="00000500000000000000" pitchFamily="2" charset="-18"/>
                 </a:rPr>
                 <a:t>Bogaerts</a:t>
               </a:r>
               <a:r>
-                <a:rPr lang="en-US" sz="1200" spc="-50" dirty="0" smtClean="0">
+                <a:rPr lang="en-US" sz="1200" spc="-50" dirty="0">
                   <a:latin typeface="Montserrat" panose="00000500000000000000" pitchFamily="2" charset="-18"/>
                 </a:rPr>
                 <a:t>, L., &amp; Frost, R. (2017). Measuring individual differences in statistical learning: Current pitfalls and possible solutions. Behavior research methods, 49(2), 418-432.</a:t>
               </a:r>
-              <a:endParaRPr lang="en-US" sz="1200" spc="-50" dirty="0">
-                <a:latin typeface="Montserrat" panose="00000500000000000000" pitchFamily="2" charset="-18"/>
-              </a:endParaRPr>
             </a:p>
           </p:txBody>
         </p:sp>
@@ -4778,7 +4753,7 @@
         <p:spPr>
           <a:xfrm>
             <a:off x="1394532" y="14228866"/>
-            <a:ext cx="10153650" cy="1011302"/>
+            <a:ext cx="10153650" cy="982128"/>
           </a:xfrm>
           <a:prstGeom prst="rect">
             <a:avLst/>
@@ -4814,17 +4789,41 @@
           </a:lstStyle>
           <a:p>
             <a:r>
-              <a:rPr lang="en-US" dirty="0" smtClean="0"/>
-              <a:t>502 participants (mean age: 26, range: 18-79)</a:t>
-            </a:r>
-          </a:p>
-          <a:p>
-            <a:r>
-              <a:rPr lang="en-US" dirty="0" smtClean="0"/>
+              <a:rPr lang="en-US" dirty="0"/>
+              <a:t>502 participants (mean age: 26, </a:t>
+            </a:r>
+            <a:r>
+              <a:rPr lang="hu-HU" dirty="0"/>
+              <a:t>SD = 12.5, </a:t>
+            </a:r>
+            <a:r>
+              <a:rPr lang="en-US" dirty="0"/>
+              <a:t>range</a:t>
+            </a:r>
+            <a:r>
+              <a:rPr lang="hu-HU" dirty="0"/>
+              <a:t> =</a:t>
+            </a:r>
+            <a:r>
+              <a:rPr lang="en-US" dirty="0"/>
+              <a:t> 18-79</a:t>
+            </a:r>
+            <a:r>
+              <a:rPr lang="hu-HU" dirty="0"/>
+              <a:t>, 367 F</a:t>
+            </a:r>
+            <a:r>
+              <a:rPr lang="en-US" dirty="0"/>
+              <a:t>)</a:t>
+            </a:r>
+          </a:p>
+          <a:p>
+            <a:r>
+              <a:rPr lang="en-US" dirty="0"/>
               <a:t>online and in-person test administration via </a:t>
             </a:r>
             <a:r>
-              <a:rPr lang="en-US" dirty="0" err="1" smtClean="0"/>
+              <a:rPr lang="en-US" dirty="0" err="1"/>
               <a:t>Pavlovia</a:t>
             </a:r>
             <a:endParaRPr lang="en-US" dirty="0"/>
@@ -4840,9 +4839,9 @@
         <p:grpSpPr>
           <a:xfrm>
             <a:off x="1384301" y="9064709"/>
-            <a:ext cx="27501944" cy="3243965"/>
+            <a:ext cx="27501944" cy="3218445"/>
             <a:chOff x="1384300" y="9371332"/>
-            <a:chExt cx="23205232" cy="3243965"/>
+            <a:chExt cx="23205232" cy="3218445"/>
           </a:xfrm>
         </p:grpSpPr>
         <p:sp>
@@ -4880,7 +4879,7 @@
                 <a:buSzPct val="100000"/>
               </a:pPr>
               <a:r>
-                <a:rPr lang="en-US" sz="2400" dirty="0" smtClean="0">
+                <a:rPr lang="en-US" sz="2400" dirty="0">
                   <a:latin typeface="Montserrat Medium" panose="00000600000000000000" pitchFamily="2" charset="-18"/>
                   <a:ea typeface="Roboto" panose="02000000000000000000" pitchFamily="2" charset="0"/>
                 </a:rPr>
@@ -4903,7 +4902,7 @@
                 <a:buChar char="●"/>
               </a:pPr>
               <a:r>
-                <a:rPr lang="en-US" sz="2400" dirty="0" smtClean="0">
+                <a:rPr lang="en-US" sz="2400" dirty="0">
                   <a:latin typeface="Montserrat" panose="00000500000000000000" pitchFamily="2" charset="-18"/>
                   <a:ea typeface="Roboto" panose="02000000000000000000" pitchFamily="2" charset="0"/>
                 </a:rPr>
@@ -4926,7 +4925,7 @@
                 <a:buChar char="●"/>
               </a:pPr>
               <a:r>
-                <a:rPr lang="en-US" sz="2400" dirty="0" smtClean="0">
+                <a:rPr lang="en-US" sz="2400" dirty="0">
                   <a:latin typeface="Montserrat" panose="00000500000000000000" pitchFamily="2" charset="-18"/>
                   <a:ea typeface="Roboto" panose="02000000000000000000" pitchFamily="2" charset="0"/>
                 </a:rPr>
@@ -4949,35 +4948,35 @@
                 <a:buChar char="●"/>
               </a:pPr>
               <a:r>
-                <a:rPr lang="en-US" sz="2400" dirty="0" smtClean="0">
+                <a:rPr lang="en-US" sz="2400" dirty="0">
                   <a:latin typeface="Montserrat" panose="00000500000000000000" pitchFamily="2" charset="-18"/>
                   <a:ea typeface="Roboto" panose="02000000000000000000" pitchFamily="2" charset="0"/>
                 </a:rPr>
                 <a:t>syntax comprehension (Kidd &amp; </a:t>
               </a:r>
               <a:r>
-                <a:rPr lang="en-US" sz="2400" dirty="0" err="1" smtClean="0">
+                <a:rPr lang="en-US" sz="2400" dirty="0" err="1">
                   <a:latin typeface="Montserrat" panose="00000500000000000000" pitchFamily="2" charset="-18"/>
                   <a:ea typeface="Roboto" panose="02000000000000000000" pitchFamily="2" charset="0"/>
                 </a:rPr>
                 <a:t>Arciuli</a:t>
               </a:r>
               <a:r>
-                <a:rPr lang="en-US" sz="2400" dirty="0" smtClean="0">
+                <a:rPr lang="en-US" sz="2400" dirty="0">
                   <a:latin typeface="Montserrat" panose="00000500000000000000" pitchFamily="2" charset="-18"/>
                   <a:ea typeface="Roboto" panose="02000000000000000000" pitchFamily="2" charset="0"/>
                 </a:rPr>
                 <a:t>, 2012; </a:t>
               </a:r>
               <a:r>
-                <a:rPr lang="en-US" sz="2400" dirty="0" err="1" smtClean="0">
+                <a:rPr lang="en-US" sz="2400" dirty="0" err="1">
                   <a:latin typeface="Montserrat" panose="00000500000000000000" pitchFamily="2" charset="-18"/>
                   <a:ea typeface="Roboto" panose="02000000000000000000" pitchFamily="2" charset="0"/>
                 </a:rPr>
                 <a:t>Misyak</a:t>
               </a:r>
               <a:r>
-                <a:rPr lang="en-US" sz="2400" dirty="0" smtClean="0">
+                <a:rPr lang="en-US" sz="2400" dirty="0">
                   <a:latin typeface="Montserrat" panose="00000500000000000000" pitchFamily="2" charset="-18"/>
                   <a:ea typeface="Roboto" panose="02000000000000000000" pitchFamily="2" charset="0"/>
                 </a:rPr>
@@ -5001,16 +5000,12 @@
                 <a:buSzPct val="75000"/>
               </a:pPr>
               <a:r>
-                <a:rPr lang="en-US" sz="2400" dirty="0" smtClean="0">
+                <a:rPr lang="en-US" sz="2400" dirty="0">
                   <a:latin typeface="Montserrat Medium" panose="00000600000000000000" pitchFamily="2" charset="-18"/>
                   <a:ea typeface="Roboto" panose="02000000000000000000" pitchFamily="2" charset="0"/>
                 </a:rPr>
                 <a:t>no systematic examination of this relationship, and no systematic investigation of potential mediator cognitive abilities yet</a:t>
               </a:r>
-              <a:endParaRPr lang="en-US" sz="2400" dirty="0">
-                <a:latin typeface="Montserrat Medium" panose="00000600000000000000" pitchFamily="2" charset="-18"/>
-                <a:ea typeface="Roboto" panose="02000000000000000000" pitchFamily="2" charset="0"/>
-              </a:endParaRPr>
             </a:p>
           </p:txBody>
         </p:sp>
@@ -5023,7 +5018,7 @@
           <p:spPr>
             <a:xfrm>
               <a:off x="12986732" y="9371332"/>
-              <a:ext cx="11602800" cy="3243965"/>
+              <a:ext cx="11602800" cy="3218445"/>
             </a:xfrm>
             <a:prstGeom prst="rect">
               <a:avLst/>
@@ -5049,7 +5044,7 @@
                 <a:buSzPct val="100000"/>
               </a:pPr>
               <a:r>
-                <a:rPr lang="en-US" sz="2400" dirty="0" smtClean="0">
+                <a:rPr lang="en-US" sz="2400" dirty="0">
                   <a:latin typeface="Montserrat Medium" panose="00000600000000000000" pitchFamily="2" charset="-18"/>
                   <a:ea typeface="Roboto" panose="02000000000000000000" pitchFamily="2" charset="0"/>
                 </a:rPr>
@@ -5072,7 +5067,7 @@
                 <a:buChar char="●"/>
               </a:pPr>
               <a:r>
-                <a:rPr lang="en-US" sz="2400" dirty="0" smtClean="0">
+                <a:rPr lang="en-US" sz="2400" dirty="0">
                   <a:latin typeface="Montserrat" panose="00000500000000000000" pitchFamily="2" charset="-18"/>
                   <a:ea typeface="Roboto" panose="02000000000000000000" pitchFamily="2" charset="0"/>
                 </a:rPr>
@@ -5095,7 +5090,7 @@
                 <a:buChar char="●"/>
               </a:pPr>
               <a:r>
-                <a:rPr lang="en-US" sz="2400" dirty="0" smtClean="0">
+                <a:rPr lang="en-US" sz="2400" dirty="0">
                   <a:latin typeface="Montserrat" panose="00000500000000000000" pitchFamily="2" charset="-18"/>
                   <a:ea typeface="Roboto" panose="02000000000000000000" pitchFamily="2" charset="0"/>
                 </a:rPr>
@@ -5118,11 +5113,11 @@
                 <a:buChar char="●"/>
               </a:pPr>
               <a:r>
-                <a:rPr lang="en-US" sz="2400" dirty="0" smtClean="0">
+                <a:rPr lang="en-US" sz="2400" dirty="0">
                   <a:latin typeface="Montserrat" panose="00000500000000000000" pitchFamily="2" charset="-18"/>
                   <a:ea typeface="Roboto" panose="02000000000000000000" pitchFamily="2" charset="0"/>
                 </a:rPr>
-                <a:t>uses statistical learning and language tasks suitable for measuring predictive processing</a:t>
+                <a:t>uses statistical learning and language tasks suitable for assessing predictive processing</a:t>
               </a:r>
             </a:p>
             <a:p>
@@ -5141,16 +5136,12 @@
                 <a:buChar char="→"/>
               </a:pPr>
               <a:r>
-                <a:rPr lang="en-US" sz="2400" dirty="0" smtClean="0">
+                <a:rPr lang="en-US" sz="2400" dirty="0">
                   <a:latin typeface="Montserrat" panose="00000500000000000000" pitchFamily="2" charset="-18"/>
                   <a:ea typeface="Roboto" panose="02000000000000000000" pitchFamily="2" charset="0"/>
                 </a:rPr>
-                <a:t>does the effectiveness of prediction in statistical learning explain the effectiveness of prediction in language?</a:t>
-              </a:r>
-              <a:endParaRPr lang="en-US" sz="2400" dirty="0">
-                <a:latin typeface="Montserrat" panose="00000500000000000000" pitchFamily="2" charset="-18"/>
-                <a:ea typeface="Roboto" panose="02000000000000000000" pitchFamily="2" charset="0"/>
-              </a:endParaRPr>
+                <a:t>does the efficiency of statistical learning relate to the efficiency of language mechanisms including predictive mechanisms?</a:t>
+              </a:r>
             </a:p>
           </p:txBody>
         </p:sp>
@@ -5191,18 +5182,13 @@
           </a:lstStyle>
           <a:p>
             <a:r>
-              <a:rPr lang="en-US" sz="4800" dirty="0" smtClean="0">
+              <a:rPr lang="en-US" sz="4800" dirty="0">
                 <a:solidFill>
                   <a:schemeClr val="tx1"/>
                 </a:solidFill>
               </a:rPr>
               <a:t>Discussion</a:t>
             </a:r>
-            <a:endParaRPr lang="en-US" sz="4800" dirty="0">
-              <a:solidFill>
-                <a:schemeClr val="tx1"/>
-              </a:solidFill>
-            </a:endParaRPr>
           </a:p>
         </p:txBody>
       </p:sp>
@@ -5313,9 +5299,9 @@
         <p:grpSpPr>
           <a:xfrm>
             <a:off x="1384300" y="36010431"/>
-            <a:ext cx="27531785" cy="2837700"/>
+            <a:ext cx="27531785" cy="2354619"/>
             <a:chOff x="1384300" y="35426784"/>
-            <a:chExt cx="25200000" cy="2837700"/>
+            <a:chExt cx="25200000" cy="2354619"/>
           </a:xfrm>
         </p:grpSpPr>
         <p:sp>
@@ -5327,7 +5313,7 @@
           <p:spPr>
             <a:xfrm>
               <a:off x="1384300" y="35432671"/>
-              <a:ext cx="12600001" cy="2786404"/>
+              <a:ext cx="12600001" cy="2252027"/>
             </a:xfrm>
             <a:prstGeom prst="rect">
               <a:avLst/>
@@ -5379,22 +5365,7 @@
                   <a:latin typeface="Montserrat Medium" panose="00000600000000000000" pitchFamily="2" charset="-18"/>
                   <a:ea typeface="Roboto" panose="02000000000000000000" pitchFamily="2" charset="0"/>
                 </a:rPr>
-                <a:t>offline statistical learning </a:t>
-              </a:r>
-              <a:r>
-                <a:rPr lang="en-US" sz="2400" dirty="0">
-                  <a:latin typeface="Montserrat Medium" panose="00000600000000000000" pitchFamily="2" charset="-18"/>
-                  <a:ea typeface="Roboto" panose="02000000000000000000" pitchFamily="2" charset="0"/>
-                  <a:sym typeface="Wingdings" panose="05000000000000000000" pitchFamily="2" charset="2"/>
-                </a:rPr>
-                <a:t>tasks </a:t>
-              </a:r>
-              <a:r>
-                <a:rPr lang="en-US" sz="2400" dirty="0">
-                  <a:latin typeface="Montserrat Medium" panose="00000600000000000000" pitchFamily="2" charset="-18"/>
-                  <a:ea typeface="Roboto" panose="02000000000000000000" pitchFamily="2" charset="0"/>
-                </a:rPr>
-                <a:t> offline language processing tasks</a:t>
+                <a:t>both statistical learning and language tasks involve shared general cognitive abilities</a:t>
               </a:r>
             </a:p>
             <a:p>
@@ -5413,11 +5384,11 @@
                 <a:buChar char="●"/>
               </a:pPr>
               <a:r>
-                <a:rPr lang="en-US" sz="2400" dirty="0" smtClean="0">
+                <a:rPr lang="en-US" sz="2400" dirty="0">
                   <a:latin typeface="Montserrat" panose="00000500000000000000" pitchFamily="2" charset="-18"/>
                   <a:ea typeface="Roboto" panose="02000000000000000000" pitchFamily="2" charset="0"/>
                 </a:rPr>
-                <a:t>even beyond the effect of shared nonlinguistic cognitive abilities</a:t>
+                <a:t>the shared variance between statistical learning and language tasks are mostly explained by these general cognitive abilities</a:t>
               </a:r>
             </a:p>
             <a:p>
@@ -5436,57 +5407,11 @@
                 <a:buChar char="●"/>
               </a:pPr>
               <a:r>
-                <a:rPr lang="en-US" sz="2400" dirty="0" smtClean="0">
+                <a:rPr lang="en-US" sz="2400" dirty="0">
                   <a:latin typeface="Montserrat" panose="00000500000000000000" pitchFamily="2" charset="-18"/>
                   <a:ea typeface="Roboto" panose="02000000000000000000" pitchFamily="2" charset="0"/>
                 </a:rPr>
-                <a:t>including offline statistical learning diminishes the online statistical learning </a:t>
-              </a:r>
-              <a:r>
-                <a:rPr lang="en-US" sz="2400" dirty="0" smtClean="0">
-                  <a:latin typeface="Montserrat" panose="00000500000000000000" pitchFamily="2" charset="-18"/>
-                  <a:ea typeface="Roboto" panose="02000000000000000000" pitchFamily="2" charset="0"/>
-                  <a:sym typeface="Wingdings" panose="05000000000000000000" pitchFamily="2" charset="2"/>
-                </a:rPr>
-                <a:t></a:t>
-              </a:r>
-              <a:br>
-                <a:rPr lang="en-US" sz="2400" dirty="0" smtClean="0">
-                  <a:latin typeface="Montserrat" panose="00000500000000000000" pitchFamily="2" charset="-18"/>
-                  <a:ea typeface="Roboto" panose="02000000000000000000" pitchFamily="2" charset="0"/>
-                  <a:sym typeface="Wingdings" panose="05000000000000000000" pitchFamily="2" charset="2"/>
-                </a:rPr>
-              </a:br>
-              <a:r>
-                <a:rPr lang="en-US" sz="2400" dirty="0" smtClean="0">
-                  <a:latin typeface="Montserrat" panose="00000500000000000000" pitchFamily="2" charset="-18"/>
-                  <a:ea typeface="Roboto" panose="02000000000000000000" pitchFamily="2" charset="0"/>
-                </a:rPr>
-                <a:t>offline language relationship</a:t>
-              </a:r>
-            </a:p>
-            <a:p>
-              <a:pPr marL="0" lvl="1">
-                <a:lnSpc>
-                  <a:spcPct val="110000"/>
-                </a:lnSpc>
-                <a:spcBef>
-                  <a:spcPts val="200"/>
-                </a:spcBef>
-                <a:spcAft>
-                  <a:spcPts val="600"/>
-                </a:spcAft>
-                <a:buClr>
-                  <a:srgbClr val="438779"/>
-                </a:buClr>
-                <a:buSzPct val="75000"/>
-              </a:pPr>
-              <a:r>
-                <a:rPr lang="en-US" sz="2400" dirty="0">
-                  <a:latin typeface="Montserrat Medium" panose="00000600000000000000" pitchFamily="2" charset="-18"/>
-                  <a:ea typeface="Roboto" panose="02000000000000000000" pitchFamily="2" charset="0"/>
-                </a:rPr>
-                <a:t>the relationship between statistical learning and predictive language processing is mostly explained by cognitive abilities</a:t>
+                <a:t>offline statistical learning measures contribute to variance in offline (but not online, predictive) linguistic measures even beyond cognitive abilities</a:t>
               </a:r>
             </a:p>
           </p:txBody>
@@ -5500,7 +5425,7 @@
           <p:spPr>
             <a:xfrm>
               <a:off x="13984300" y="35426784"/>
-              <a:ext cx="12600000" cy="2837700"/>
+              <a:ext cx="12600000" cy="2354619"/>
             </a:xfrm>
             <a:prstGeom prst="rect">
               <a:avLst/>
@@ -5574,34 +5499,11 @@
                 <a:buChar char="●"/>
               </a:pPr>
               <a:r>
-                <a:rPr lang="en-US" sz="2400" dirty="0" smtClean="0">
+                <a:rPr lang="en-US" sz="2400" dirty="0">
                   <a:latin typeface="Montserrat" panose="00000500000000000000" pitchFamily="2" charset="-18"/>
                   <a:ea typeface="Roboto" panose="02000000000000000000" pitchFamily="2" charset="0"/>
                 </a:rPr>
                 <a:t>what is the source of the remaining shared variance between offline statistical learning and offline language performance?</a:t>
-              </a:r>
-            </a:p>
-            <a:p>
-              <a:pPr marL="365125" lvl="1" indent="-365125">
-                <a:lnSpc>
-                  <a:spcPct val="110000"/>
-                </a:lnSpc>
-                <a:spcAft>
-                  <a:spcPts val="600"/>
-                </a:spcAft>
-                <a:buClr>
-                  <a:srgbClr val="438779"/>
-                </a:buClr>
-                <a:buSzPct val="75000"/>
-                <a:buFont typeface="Calibri" panose="020F0502020204030204" pitchFamily="34" charset="0"/>
-                <a:buChar char="●"/>
-              </a:pPr>
-              <a:r>
-                <a:rPr lang="en-US" sz="2400" dirty="0" smtClean="0">
-                  <a:latin typeface="Montserrat" panose="00000500000000000000" pitchFamily="2" charset="-18"/>
-                  <a:ea typeface="Roboto" panose="02000000000000000000" pitchFamily="2" charset="0"/>
-                </a:rPr>
-                <a:t>how can we define and measure statistical learning capacity?</a:t>
               </a:r>
             </a:p>
             <a:p>
@@ -5644,16 +5546,12 @@
                 <a:buChar char="●"/>
               </a:pPr>
               <a:r>
-                <a:rPr lang="en-US" sz="2400" dirty="0" smtClean="0">
+                <a:rPr lang="en-US" sz="2400" dirty="0">
                   <a:latin typeface="Montserrat" panose="00000500000000000000" pitchFamily="2" charset="-18"/>
                   <a:ea typeface="Roboto" panose="02000000000000000000" pitchFamily="2" charset="0"/>
                 </a:rPr>
-                <a:t>using theoretically more motivated tasks of statistical learning and language</a:t>
-              </a:r>
-              <a:endParaRPr lang="en-US" sz="2400" dirty="0">
-                <a:latin typeface="Montserrat" panose="00000500000000000000" pitchFamily="2" charset="-18"/>
-                <a:ea typeface="Roboto" panose="02000000000000000000" pitchFamily="2" charset="0"/>
-              </a:endParaRPr>
+                <a:t>using more targeted tasks of statistical learning and language</a:t>
+              </a:r>
             </a:p>
           </p:txBody>
         </p:sp>
@@ -5693,7 +5591,7 @@
               <a:buNone/>
             </a:pPr>
             <a:r>
-              <a:rPr lang="en-US" sz="2400" b="0" i="0" u="none" strike="noStrike" cap="none" dirty="0" smtClean="0">
+              <a:rPr lang="en-US" sz="2400" b="0" i="0" u="none" strike="noStrike" cap="none" dirty="0">
                 <a:solidFill>
                   <a:schemeClr val="dk1"/>
                 </a:solidFill>
@@ -5751,7 +5649,7 @@
               <a:buNone/>
             </a:pPr>
             <a:r>
-              <a:rPr lang="en-US" sz="2400" dirty="0" smtClean="0">
+              <a:rPr lang="en-US" sz="2400" dirty="0">
                 <a:solidFill>
                   <a:schemeClr val="dk1"/>
                 </a:solidFill>
@@ -5762,15 +5660,6 @@
               </a:rPr>
               <a:t>2) artificial grammar learning (AGL)</a:t>
             </a:r>
-            <a:endParaRPr lang="en-US" sz="2400" dirty="0">
-              <a:solidFill>
-                <a:schemeClr val="dk1"/>
-              </a:solidFill>
-              <a:latin typeface="Montserrat" panose="00000500000000000000" pitchFamily="2" charset="-18"/>
-              <a:ea typeface="Calibri"/>
-              <a:cs typeface="Calibri"/>
-              <a:sym typeface="Calibri"/>
-            </a:endParaRPr>
           </a:p>
         </p:txBody>
       </p:sp>
@@ -5817,18 +5706,13 @@
               <a:buChar char="à"/>
             </a:pPr>
             <a:r>
-              <a:rPr lang="en-US" sz="2400" dirty="0" smtClean="0">
+              <a:rPr lang="en-US" sz="2400" dirty="0">
                 <a:latin typeface="Montserrat" panose="00000500000000000000" pitchFamily="2" charset="-18"/>
                 <a:ea typeface="Roboto" panose="02000000000000000000" pitchFamily="2" charset="0"/>
                 <a:sym typeface="Calibri"/>
               </a:rPr>
               <a:t>procedure and measures of SL tasks</a:t>
             </a:r>
-            <a:endParaRPr lang="en-US" sz="2400" dirty="0">
-              <a:latin typeface="Montserrat" panose="00000500000000000000" pitchFamily="2" charset="-18"/>
-              <a:ea typeface="Roboto" panose="02000000000000000000" pitchFamily="2" charset="0"/>
-              <a:sym typeface="Calibri"/>
-            </a:endParaRPr>
           </a:p>
         </p:txBody>
       </p:sp>
@@ -6085,16 +5969,10 @@
                         <a:buNone/>
                       </a:pPr>
                       <a:r>
-                        <a:rPr lang="en-US" sz="2400" u="none" strike="noStrike" cap="none" dirty="0" smtClean="0">
-                          <a:latin typeface="Montserrat" panose="00000500000000000000" pitchFamily="2" charset="-18"/>
-                        </a:rPr>
-                        <a:t>RT </a:t>
-                      </a:r>
-                      <a:r>
                         <a:rPr lang="en-US" sz="2400" u="none" strike="noStrike" cap="none" dirty="0">
                           <a:latin typeface="Montserrat" panose="00000500000000000000" pitchFamily="2" charset="-18"/>
                         </a:rPr>
-                        <a:t>difference</a:t>
+                        <a:t>RT difference</a:t>
                       </a:r>
                       <a:endParaRPr sz="2400" u="none" strike="noStrike" cap="none" dirty="0">
                         <a:latin typeface="Montserrat" panose="00000500000000000000" pitchFamily="2" charset="-18"/>
@@ -6510,7 +6388,7 @@
                 <a:buNone/>
               </a:pPr>
               <a:r>
-                <a:rPr lang="en-US" sz="2000" dirty="0" err="1" smtClean="0">
+                <a:rPr lang="en-US" sz="2000" dirty="0" err="1">
                   <a:solidFill>
                     <a:schemeClr val="dk1"/>
                   </a:solidFill>
@@ -6522,7 +6400,7 @@
                 <a:t>csa</a:t>
               </a:r>
               <a:r>
-                <a:rPr lang="en-US" sz="2000" dirty="0" smtClean="0">
+                <a:rPr lang="en-US" sz="2000" dirty="0">
                   <a:solidFill>
                     <a:schemeClr val="dk1"/>
                   </a:solidFill>
@@ -6534,7 +6412,7 @@
                 <a:t>  </a:t>
               </a:r>
               <a:r>
-                <a:rPr lang="en-US" sz="2000" dirty="0" err="1" smtClean="0">
+                <a:rPr lang="en-US" sz="2000" dirty="0" err="1">
                   <a:solidFill>
                     <a:schemeClr val="dk1"/>
                   </a:solidFill>
@@ -6546,7 +6424,7 @@
                 <a:t>gye</a:t>
               </a:r>
               <a:r>
-                <a:rPr lang="en-US" sz="2000" dirty="0" smtClean="0">
+                <a:rPr lang="en-US" sz="2000" dirty="0">
                   <a:solidFill>
                     <a:schemeClr val="dk1"/>
                   </a:solidFill>
@@ -6558,7 +6436,7 @@
                 <a:t>  </a:t>
               </a:r>
               <a:r>
-                <a:rPr lang="en-US" sz="2000" dirty="0" err="1" smtClean="0">
+                <a:rPr lang="en-US" sz="2000" dirty="0" err="1">
                   <a:solidFill>
                     <a:schemeClr val="dk1"/>
                   </a:solidFill>
@@ -6618,7 +6496,7 @@
                 <a:buNone/>
               </a:pPr>
               <a:r>
-                <a:rPr lang="en-US" sz="2000" dirty="0" err="1" smtClean="0">
+                <a:rPr lang="en-US" sz="2000" dirty="0" err="1">
                   <a:solidFill>
                     <a:schemeClr val="dk1"/>
                   </a:solidFill>
@@ -6630,7 +6508,7 @@
                 <a:t>cé</a:t>
               </a:r>
               <a:r>
-                <a:rPr lang="en-US" sz="2000" dirty="0" smtClean="0">
+                <a:rPr lang="en-US" sz="2000" dirty="0">
                   <a:solidFill>
                     <a:schemeClr val="dk1"/>
                   </a:solidFill>
@@ -6642,7 +6520,7 @@
                 <a:t>  vi  </a:t>
               </a:r>
               <a:r>
-                <a:rPr lang="en-US" sz="2000" dirty="0" err="1" smtClean="0">
+                <a:rPr lang="en-US" sz="2000" dirty="0" err="1">
                   <a:solidFill>
                     <a:schemeClr val="dk1"/>
                   </a:solidFill>
@@ -6702,7 +6580,7 @@
                 <a:buNone/>
               </a:pPr>
               <a:r>
-                <a:rPr lang="en-US" sz="2000" dirty="0" smtClean="0">
+                <a:rPr lang="en-US" sz="2000" dirty="0">
                   <a:solidFill>
                     <a:schemeClr val="dk1"/>
                   </a:solidFill>
@@ -6714,7 +6592,7 @@
                 <a:t>lo  ha  </a:t>
               </a:r>
               <a:r>
-                <a:rPr lang="en-US" sz="2000" dirty="0" err="1" smtClean="0">
+                <a:rPr lang="en-US" sz="2000" dirty="0" err="1">
                   <a:solidFill>
                     <a:schemeClr val="dk1"/>
                   </a:solidFill>
@@ -6774,7 +6652,7 @@
                 <a:buNone/>
               </a:pPr>
               <a:r>
-                <a:rPr lang="en-US" sz="2000" dirty="0" err="1" smtClean="0">
+                <a:rPr lang="en-US" sz="2000" dirty="0" err="1">
                   <a:solidFill>
                     <a:schemeClr val="dk1"/>
                   </a:solidFill>
@@ -6786,7 +6664,7 @@
                 <a:t>sö</a:t>
               </a:r>
               <a:r>
-                <a:rPr lang="en-US" sz="2000" dirty="0" smtClean="0">
+                <a:rPr lang="en-US" sz="2000" dirty="0">
                   <a:solidFill>
                     <a:schemeClr val="dk1"/>
                   </a:solidFill>
@@ -6798,7 +6676,7 @@
                 <a:t>  </a:t>
               </a:r>
               <a:r>
-                <a:rPr lang="en-US" sz="2000" dirty="0" err="1" smtClean="0">
+                <a:rPr lang="en-US" sz="2000" dirty="0" err="1">
                   <a:solidFill>
                     <a:schemeClr val="dk1"/>
                   </a:solidFill>
@@ -6810,7 +6688,7 @@
                 <a:t>pe</a:t>
               </a:r>
               <a:r>
-                <a:rPr lang="en-US" sz="2000" dirty="0" smtClean="0">
+                <a:rPr lang="en-US" sz="2000" dirty="0">
                   <a:solidFill>
                     <a:schemeClr val="dk1"/>
                   </a:solidFill>
@@ -6822,7 +6700,7 @@
                 <a:t>  </a:t>
               </a:r>
               <a:r>
-                <a:rPr lang="en-US" sz="2000" dirty="0" err="1" smtClean="0">
+                <a:rPr lang="en-US" sz="2000" dirty="0" err="1">
                   <a:solidFill>
                     <a:schemeClr val="dk1"/>
                   </a:solidFill>
@@ -6882,7 +6760,7 @@
                 <a:buNone/>
               </a:pPr>
               <a:r>
-                <a:rPr lang="en-US" sz="2000" dirty="0" err="1" smtClean="0">
+                <a:rPr lang="en-US" sz="2000" dirty="0" err="1">
                   <a:solidFill>
                     <a:schemeClr val="dk1"/>
                   </a:solidFill>
@@ -6894,7 +6772,7 @@
                 <a:t>cé</a:t>
               </a:r>
               <a:r>
-                <a:rPr lang="en-US" sz="2000" dirty="0" smtClean="0">
+                <a:rPr lang="en-US" sz="2000" dirty="0">
                   <a:solidFill>
                     <a:schemeClr val="dk1"/>
                   </a:solidFill>
@@ -6906,7 +6784,7 @@
                 <a:t>  vi  </a:t>
               </a:r>
               <a:r>
-                <a:rPr lang="en-US" sz="2000" dirty="0" err="1" smtClean="0">
+                <a:rPr lang="en-US" sz="2000" dirty="0" err="1">
                   <a:solidFill>
                     <a:schemeClr val="dk1"/>
                   </a:solidFill>
@@ -6966,7 +6844,7 @@
                 <a:buNone/>
               </a:pPr>
               <a:r>
-                <a:rPr lang="en-US" sz="2000" dirty="0" err="1" smtClean="0">
+                <a:rPr lang="en-US" sz="2000" dirty="0" err="1">
                   <a:solidFill>
                     <a:schemeClr val="dk1"/>
                   </a:solidFill>
@@ -6978,7 +6856,7 @@
                 <a:t>csa</a:t>
               </a:r>
               <a:r>
-                <a:rPr lang="en-US" sz="2000" dirty="0" smtClean="0">
+                <a:rPr lang="en-US" sz="2000" dirty="0">
                   <a:solidFill>
                     <a:schemeClr val="dk1"/>
                   </a:solidFill>
@@ -6990,7 +6868,7 @@
                 <a:t>  </a:t>
               </a:r>
               <a:r>
-                <a:rPr lang="en-US" sz="2000" dirty="0" err="1" smtClean="0">
+                <a:rPr lang="en-US" sz="2000" dirty="0" err="1">
                   <a:solidFill>
                     <a:schemeClr val="dk1"/>
                   </a:solidFill>
@@ -7002,7 +6880,7 @@
                 <a:t>gye</a:t>
               </a:r>
               <a:r>
-                <a:rPr lang="en-US" sz="2000" dirty="0" smtClean="0">
+                <a:rPr lang="en-US" sz="2000" dirty="0">
                   <a:solidFill>
                     <a:schemeClr val="dk1"/>
                   </a:solidFill>
@@ -7014,7 +6892,7 @@
                 <a:t>  </a:t>
               </a:r>
               <a:r>
-                <a:rPr lang="en-US" sz="2000" dirty="0" err="1" smtClean="0">
+                <a:rPr lang="en-US" sz="2000" dirty="0" err="1">
                   <a:solidFill>
                     <a:schemeClr val="dk1"/>
                   </a:solidFill>
@@ -7074,7 +6952,7 @@
                 <a:buNone/>
               </a:pPr>
               <a:r>
-                <a:rPr lang="en-US" sz="2000" dirty="0" smtClean="0">
+                <a:rPr lang="en-US" sz="2000" dirty="0">
                   <a:solidFill>
                     <a:schemeClr val="dk1"/>
                   </a:solidFill>
@@ -7086,7 +6964,7 @@
                 <a:t>lo  ha  </a:t>
               </a:r>
               <a:r>
-                <a:rPr lang="en-US" sz="2000" dirty="0" err="1" smtClean="0">
+                <a:rPr lang="en-US" sz="2000" dirty="0" err="1">
                   <a:solidFill>
                     <a:schemeClr val="dk1"/>
                   </a:solidFill>
@@ -7159,16 +7037,12 @@
                 <a:buSzPct val="100000"/>
               </a:pPr>
               <a:r>
-                <a:rPr lang="en-US" sz="2400" dirty="0" smtClean="0">
+                <a:rPr lang="en-US" sz="2400" dirty="0">
                   <a:latin typeface="Montserrat Medium" panose="00000600000000000000" pitchFamily="2" charset="-18"/>
                   <a:ea typeface="Roboto" panose="02000000000000000000" pitchFamily="2" charset="0"/>
                 </a:rPr>
                 <a:t>statistical learning</a:t>
               </a:r>
-              <a:endParaRPr lang="en-US" sz="2400" dirty="0">
-                <a:latin typeface="Montserrat Medium" panose="00000600000000000000" pitchFamily="2" charset="-18"/>
-                <a:ea typeface="Roboto" panose="02000000000000000000" pitchFamily="2" charset="0"/>
-              </a:endParaRPr>
             </a:p>
           </p:txBody>
         </p:sp>
@@ -7256,7 +7130,7 @@
               <a:p>
                 <a:pPr algn="ctr"/>
                 <a:r>
-                  <a:rPr lang="en-US" sz="2400" dirty="0" smtClean="0">
+                  <a:rPr lang="en-US" sz="2400" dirty="0">
                     <a:solidFill>
                       <a:schemeClr val="bg1"/>
                     </a:solidFill>
@@ -7264,12 +7138,6 @@
                   </a:rPr>
                   <a:t>1</a:t>
                 </a:r>
-                <a:endParaRPr lang="en-US" sz="2400" dirty="0">
-                  <a:solidFill>
-                    <a:schemeClr val="bg1"/>
-                  </a:solidFill>
-                  <a:latin typeface="Montserrat Medium" panose="00000600000000000000" pitchFamily="2" charset="-18"/>
-                </a:endParaRPr>
               </a:p>
             </p:txBody>
           </p:sp>
@@ -7422,7 +7290,7 @@
               <a:p>
                 <a:pPr algn="ctr"/>
                 <a:r>
-                  <a:rPr lang="en-US" sz="2400" dirty="0" smtClean="0">
+                  <a:rPr lang="en-US" sz="2400" dirty="0">
                     <a:solidFill>
                       <a:schemeClr val="bg1"/>
                     </a:solidFill>
@@ -7430,12 +7298,6 @@
                   </a:rPr>
                   <a:t>2</a:t>
                 </a:r>
-                <a:endParaRPr lang="en-US" sz="2400" dirty="0">
-                  <a:solidFill>
-                    <a:schemeClr val="bg1"/>
-                  </a:solidFill>
-                  <a:latin typeface="Montserrat Medium" panose="00000600000000000000" pitchFamily="2" charset="-18"/>
-                </a:endParaRPr>
               </a:p>
             </p:txBody>
           </p:sp>
@@ -7588,7 +7450,7 @@
               <a:p>
                 <a:pPr algn="ctr"/>
                 <a:r>
-                  <a:rPr lang="en-US" sz="2400" dirty="0" smtClean="0">
+                  <a:rPr lang="en-US" sz="2400" dirty="0">
                     <a:solidFill>
                       <a:schemeClr val="bg1"/>
                     </a:solidFill>
@@ -7596,12 +7458,6 @@
                   </a:rPr>
                   <a:t>3</a:t>
                 </a:r>
-                <a:endParaRPr lang="en-US" sz="2400" dirty="0">
-                  <a:solidFill>
-                    <a:schemeClr val="bg1"/>
-                  </a:solidFill>
-                  <a:latin typeface="Montserrat Medium" panose="00000600000000000000" pitchFamily="2" charset="-18"/>
-                </a:endParaRPr>
               </a:p>
             </p:txBody>
           </p:sp>
@@ -7656,7 +7512,7 @@
                 <a:buNone/>
               </a:pPr>
               <a:r>
-                <a:rPr lang="en-US" sz="1200" dirty="0" smtClean="0">
+                <a:rPr lang="en-US" sz="1200" dirty="0">
                   <a:latin typeface="Montserrat" panose="00000500000000000000" pitchFamily="2" charset="-18"/>
                   <a:ea typeface="Calibri"/>
                   <a:cs typeface="Calibri"/>
@@ -7665,7 +7521,7 @@
                 <a:t>offline tasks based on </a:t>
               </a:r>
               <a:r>
-                <a:rPr lang="en-US" sz="1200" dirty="0" err="1" smtClean="0">
+                <a:rPr lang="en-US" sz="1200" dirty="0" err="1">
                   <a:latin typeface="Montserrat" panose="00000500000000000000" pitchFamily="2" charset="-18"/>
                   <a:ea typeface="Calibri"/>
                   <a:cs typeface="Calibri"/>
@@ -7674,7 +7530,7 @@
                 <a:t>Siegelman</a:t>
               </a:r>
               <a:r>
-                <a:rPr lang="en-US" sz="1200" dirty="0" smtClean="0">
+                <a:rPr lang="en-US" sz="1200" dirty="0">
                   <a:latin typeface="Montserrat" panose="00000500000000000000" pitchFamily="2" charset="-18"/>
                   <a:ea typeface="Calibri"/>
                   <a:cs typeface="Calibri"/>
@@ -7683,7 +7539,7 @@
                 <a:t>, </a:t>
               </a:r>
               <a:r>
-                <a:rPr lang="en-US" sz="1200" dirty="0" err="1" smtClean="0">
+                <a:rPr lang="en-US" sz="1200" dirty="0" err="1">
                   <a:latin typeface="Montserrat" panose="00000500000000000000" pitchFamily="2" charset="-18"/>
                   <a:ea typeface="Calibri"/>
                   <a:cs typeface="Calibri"/>
@@ -7692,7 +7548,7 @@
                 <a:t>Bogaerts</a:t>
               </a:r>
               <a:r>
-                <a:rPr lang="en-US" sz="1200" dirty="0" smtClean="0">
+                <a:rPr lang="en-US" sz="1200" dirty="0">
                   <a:latin typeface="Montserrat" panose="00000500000000000000" pitchFamily="2" charset="-18"/>
                   <a:ea typeface="Calibri"/>
                   <a:cs typeface="Calibri"/>
@@ -7700,12 +7556,6 @@
                 </a:rPr>
                 <a:t> &amp; Frost (2017)</a:t>
               </a:r>
-              <a:endParaRPr lang="en-US" sz="1200" dirty="0">
-                <a:latin typeface="Montserrat" panose="00000500000000000000" pitchFamily="2" charset="-18"/>
-                <a:ea typeface="Calibri"/>
-                <a:cs typeface="Calibri"/>
-                <a:sym typeface="Calibri"/>
-              </a:endParaRPr>
             </a:p>
           </p:txBody>
         </p:sp>
@@ -7810,7 +7660,7 @@
                   <a:buNone/>
                 </a:pPr>
                 <a:r>
-                  <a:rPr lang="en-US" sz="2400" dirty="0" smtClean="0">
+                  <a:rPr lang="en-US" sz="2400" dirty="0">
                     <a:solidFill>
                       <a:schemeClr val="dk1"/>
                     </a:solidFill>
@@ -7821,15 +7671,6 @@
                   </a:rPr>
                   <a:t>target detection task</a:t>
                 </a:r>
-                <a:endParaRPr lang="en-US" sz="2400" dirty="0">
-                  <a:solidFill>
-                    <a:schemeClr val="dk1"/>
-                  </a:solidFill>
-                  <a:latin typeface="Montserrat" panose="00000500000000000000" pitchFamily="2" charset="-18"/>
-                  <a:ea typeface="Calibri"/>
-                  <a:cs typeface="Calibri"/>
-                  <a:sym typeface="Calibri"/>
-                </a:endParaRPr>
               </a:p>
             </p:txBody>
           </p:sp>
@@ -7920,7 +7761,7 @@
                   <a:buNone/>
                 </a:pPr>
                 <a:r>
-                  <a:rPr lang="en-US" sz="2000" dirty="0" err="1" smtClean="0">
+                  <a:rPr lang="en-US" sz="2000" dirty="0" err="1">
                     <a:solidFill>
                       <a:schemeClr val="dk1"/>
                     </a:solidFill>
@@ -7978,7 +7819,7 @@
                   <a:buNone/>
                 </a:pPr>
                 <a:r>
-                  <a:rPr lang="en-US" sz="2000" dirty="0" smtClean="0">
+                  <a:rPr lang="en-US" sz="2000" dirty="0">
                     <a:solidFill>
                       <a:schemeClr val="dk1"/>
                     </a:solidFill>
@@ -7990,7 +7831,7 @@
                   <a:t>*</a:t>
                 </a:r>
                 <a:r>
-                  <a:rPr lang="en-US" sz="2000" dirty="0" err="1" smtClean="0">
+                  <a:rPr lang="en-US" sz="2000" dirty="0" err="1">
                     <a:solidFill>
                       <a:schemeClr val="dk1"/>
                     </a:solidFill>
@@ -8048,7 +7889,7 @@
                   <a:buNone/>
                 </a:pPr>
                 <a:r>
-                  <a:rPr lang="en-US" sz="2000" dirty="0" smtClean="0">
+                  <a:rPr lang="en-US" sz="2000" dirty="0">
                     <a:solidFill>
                       <a:srgbClr val="438779"/>
                     </a:solidFill>
@@ -8059,15 +7900,6 @@
                   </a:rPr>
                   <a:t>?</a:t>
                 </a:r>
-                <a:endParaRPr lang="en-US" sz="2000" dirty="0">
-                  <a:solidFill>
-                    <a:srgbClr val="438779"/>
-                  </a:solidFill>
-                  <a:latin typeface="Montserrat" panose="00000500000000000000" pitchFamily="2" charset="-18"/>
-                  <a:ea typeface="Calibri"/>
-                  <a:cs typeface="Calibri"/>
-                  <a:sym typeface="Calibri"/>
-                </a:endParaRPr>
               </a:p>
             </p:txBody>
           </p:sp>
@@ -8106,7 +7938,7 @@
                   <a:buNone/>
                 </a:pPr>
                 <a:r>
-                  <a:rPr lang="en-US" sz="2400" dirty="0" smtClean="0">
+                  <a:rPr lang="en-US" sz="2400" dirty="0">
                     <a:solidFill>
                       <a:schemeClr val="dk1"/>
                     </a:solidFill>
@@ -8117,15 +7949,6 @@
                   </a:rPr>
                   <a:t>2AFC</a:t>
                 </a:r>
-                <a:endParaRPr lang="en-US" sz="2400" dirty="0">
-                  <a:solidFill>
-                    <a:schemeClr val="dk1"/>
-                  </a:solidFill>
-                  <a:latin typeface="Montserrat" panose="00000500000000000000" pitchFamily="2" charset="-18"/>
-                  <a:ea typeface="Calibri"/>
-                  <a:cs typeface="Calibri"/>
-                  <a:sym typeface="Calibri"/>
-                </a:endParaRPr>
               </a:p>
             </p:txBody>
           </p:sp>
@@ -8216,7 +8039,7 @@
                   <a:buNone/>
                 </a:pPr>
                 <a:r>
-                  <a:rPr lang="en-US" sz="2400" dirty="0" smtClean="0">
+                  <a:rPr lang="en-US" sz="2400" dirty="0">
                     <a:solidFill>
                       <a:schemeClr val="dk1"/>
                     </a:solidFill>
@@ -8227,15 +8050,6 @@
                   </a:rPr>
                   <a:t>production</a:t>
                 </a:r>
-                <a:endParaRPr lang="en-US" sz="2400" dirty="0">
-                  <a:solidFill>
-                    <a:schemeClr val="dk1"/>
-                  </a:solidFill>
-                  <a:latin typeface="Montserrat" panose="00000500000000000000" pitchFamily="2" charset="-18"/>
-                  <a:ea typeface="Calibri"/>
-                  <a:cs typeface="Calibri"/>
-                  <a:sym typeface="Calibri"/>
-                </a:endParaRPr>
               </a:p>
             </p:txBody>
           </p:sp>
@@ -8288,7 +8102,7 @@
                     <a:buNone/>
                   </a:pPr>
                   <a:r>
-                    <a:rPr lang="en-US" sz="2000" dirty="0" smtClean="0">
+                    <a:rPr lang="en-US" sz="2000" dirty="0">
                       <a:solidFill>
                         <a:schemeClr val="dk1"/>
                       </a:solidFill>
@@ -8299,15 +8113,6 @@
                     </a:rPr>
                     <a:t>1) a</a:t>
                   </a:r>
-                  <a:endParaRPr lang="en-US" sz="2000" dirty="0">
-                    <a:solidFill>
-                      <a:schemeClr val="dk1"/>
-                    </a:solidFill>
-                    <a:latin typeface="Montserrat" panose="00000500000000000000" pitchFamily="2" charset="-18"/>
-                    <a:ea typeface="Calibri"/>
-                    <a:cs typeface="Calibri"/>
-                    <a:sym typeface="Calibri"/>
-                  </a:endParaRPr>
                 </a:p>
               </p:txBody>
             </p:sp>
@@ -8346,7 +8151,7 @@
                     <a:buNone/>
                   </a:pPr>
                   <a:r>
-                    <a:rPr lang="en-US" sz="2000" dirty="0" smtClean="0">
+                    <a:rPr lang="en-US" sz="2000" dirty="0">
                       <a:solidFill>
                         <a:schemeClr val="dk1"/>
                       </a:solidFill>
@@ -8357,15 +8162,6 @@
                     </a:rPr>
                     <a:t>2) b</a:t>
                   </a:r>
-                  <a:endParaRPr lang="en-US" sz="2000" dirty="0">
-                    <a:solidFill>
-                      <a:schemeClr val="dk1"/>
-                    </a:solidFill>
-                    <a:latin typeface="Montserrat" panose="00000500000000000000" pitchFamily="2" charset="-18"/>
-                    <a:ea typeface="Calibri"/>
-                    <a:cs typeface="Calibri"/>
-                    <a:sym typeface="Calibri"/>
-                  </a:endParaRPr>
                 </a:p>
               </p:txBody>
             </p:sp>
@@ -8404,7 +8200,7 @@
                     <a:buNone/>
                   </a:pPr>
                   <a:r>
-                    <a:rPr lang="en-US" sz="2000" dirty="0" smtClean="0">
+                    <a:rPr lang="en-US" sz="2000" dirty="0">
                       <a:solidFill>
                         <a:schemeClr val="dk1"/>
                       </a:solidFill>
@@ -8415,15 +8211,6 @@
                     </a:rPr>
                     <a:t>3) c</a:t>
                   </a:r>
-                  <a:endParaRPr lang="en-US" sz="2000" dirty="0">
-                    <a:solidFill>
-                      <a:schemeClr val="dk1"/>
-                    </a:solidFill>
-                    <a:latin typeface="Montserrat" panose="00000500000000000000" pitchFamily="2" charset="-18"/>
-                    <a:ea typeface="Calibri"/>
-                    <a:cs typeface="Calibri"/>
-                    <a:sym typeface="Calibri"/>
-                  </a:endParaRPr>
                 </a:p>
               </p:txBody>
             </p:sp>
@@ -8477,7 +8264,7 @@
                     <a:buNone/>
                   </a:pPr>
                   <a:r>
-                    <a:rPr lang="en-US" sz="2000" dirty="0" err="1" smtClean="0">
+                    <a:rPr lang="en-US" sz="2000" dirty="0" err="1">
                       <a:solidFill>
                         <a:schemeClr val="dk1"/>
                       </a:solidFill>
@@ -8535,7 +8322,7 @@
                     <a:buNone/>
                   </a:pPr>
                   <a:r>
-                    <a:rPr lang="en-US" sz="2000" dirty="0" smtClean="0">
+                    <a:rPr lang="en-US" sz="2000" dirty="0">
                       <a:solidFill>
                         <a:srgbClr val="438779"/>
                       </a:solidFill>
@@ -8546,15 +8333,6 @@
                     </a:rPr>
                     <a:t>?</a:t>
                   </a:r>
-                  <a:endParaRPr lang="en-US" sz="2000" dirty="0">
-                    <a:solidFill>
-                      <a:srgbClr val="438779"/>
-                    </a:solidFill>
-                    <a:latin typeface="Montserrat" panose="00000500000000000000" pitchFamily="2" charset="-18"/>
-                    <a:ea typeface="Calibri"/>
-                    <a:cs typeface="Calibri"/>
-                    <a:sym typeface="Calibri"/>
-                  </a:endParaRPr>
                 </a:p>
               </p:txBody>
             </p:sp>
@@ -8646,7 +8424,7 @@
                   <a:buNone/>
                 </a:pPr>
                 <a:r>
-                  <a:rPr lang="en-US" sz="2400" dirty="0" err="1" smtClean="0">
+                  <a:rPr lang="en-US" sz="2400" dirty="0" err="1">
                     <a:solidFill>
                       <a:srgbClr val="BFBFBF"/>
                     </a:solidFill>
@@ -8658,7 +8436,7 @@
                   <a:t>xxxxxxxx</a:t>
                 </a:r>
                 <a:r>
-                  <a:rPr lang="en-US" sz="2400" dirty="0" err="1" smtClean="0">
+                  <a:rPr lang="en-US" sz="2400" dirty="0" err="1">
                     <a:solidFill>
                       <a:srgbClr val="438779"/>
                     </a:solidFill>
@@ -8670,7 +8448,7 @@
                   <a:t>x</a:t>
                 </a:r>
                 <a:r>
-                  <a:rPr lang="en-US" sz="2400" dirty="0" err="1" smtClean="0">
+                  <a:rPr lang="en-US" sz="2400" dirty="0" err="1">
                     <a:solidFill>
                       <a:srgbClr val="BFBFBF"/>
                     </a:solidFill>
@@ -8917,14 +8695,14 @@
                 <a:buSzPct val="75000"/>
               </a:pPr>
               <a:r>
-                <a:rPr lang="en-US" sz="2400" dirty="0" smtClean="0"/>
+                <a:rPr lang="en-US" sz="2400" dirty="0"/>
                 <a:t>visual processing speed:</a:t>
               </a:r>
               <a:br>
-                <a:rPr lang="en-US" sz="2400" dirty="0" smtClean="0"/>
+                <a:rPr lang="en-US" sz="2400" dirty="0"/>
               </a:br>
               <a:r>
-                <a:rPr lang="en-US" sz="2400" dirty="0" smtClean="0"/>
+                <a:rPr lang="en-US" sz="2400" dirty="0"/>
                 <a:t>RT and decision RT</a:t>
               </a:r>
             </a:p>
@@ -8942,7 +8720,7 @@
                 <a:buSzPct val="75000"/>
               </a:pPr>
               <a:r>
-                <a:rPr lang="en-US" sz="2400" dirty="0" smtClean="0"/>
+                <a:rPr lang="en-US" sz="2400" dirty="0"/>
                 <a:t>auditory processing speed: RT and decision RT</a:t>
               </a:r>
             </a:p>
@@ -9005,7 +8783,7 @@
                 <a:buSzPct val="75000"/>
               </a:pPr>
               <a:r>
-                <a:rPr lang="en-US" sz="2400" dirty="0" smtClean="0"/>
+                <a:rPr lang="en-US" sz="2400" dirty="0"/>
                 <a:t>forward and backward digit span</a:t>
               </a:r>
             </a:p>
@@ -9023,11 +8801,11 @@
                 <a:buSzPct val="75000"/>
               </a:pPr>
               <a:r>
-                <a:rPr lang="en-US" sz="2400" dirty="0" err="1" smtClean="0"/>
+                <a:rPr lang="en-US" sz="2400" dirty="0" err="1"/>
                 <a:t>nback</a:t>
               </a:r>
               <a:r>
-                <a:rPr lang="en-US" sz="2400" dirty="0" smtClean="0"/>
+                <a:rPr lang="en-US" sz="2400" dirty="0"/>
                 <a:t>: 1, 2 and 3 back</a:t>
               </a:r>
             </a:p>
@@ -9045,11 +8823,11 @@
                 <a:buSzPct val="75000"/>
               </a:pPr>
               <a:r>
-                <a:rPr lang="en-US" sz="2400" dirty="0" err="1" smtClean="0"/>
+                <a:rPr lang="en-US" sz="2400" dirty="0" err="1"/>
                 <a:t>Stroop</a:t>
               </a:r>
               <a:r>
-                <a:rPr lang="en-US" sz="2400" dirty="0" smtClean="0"/>
+                <a:rPr lang="en-US" sz="2400" dirty="0"/>
                 <a:t> task: RT and ACC</a:t>
               </a:r>
             </a:p>
@@ -9067,7 +8845,7 @@
                 <a:buSzPct val="75000"/>
               </a:pPr>
               <a:r>
-                <a:rPr lang="en-US" sz="2400" dirty="0" smtClean="0"/>
+                <a:rPr lang="en-US" sz="2400" dirty="0"/>
                 <a:t>Simon task: RT and ACC</a:t>
               </a:r>
             </a:p>
@@ -9145,7 +8923,7 @@
                 <a:buSzPct val="75000"/>
               </a:pPr>
               <a:r>
-                <a:rPr lang="en-US" sz="2400" dirty="0" smtClean="0"/>
+                <a:rPr lang="en-US" sz="2400" dirty="0"/>
                 <a:t>grammatical structure sensitivity</a:t>
               </a:r>
             </a:p>
@@ -9163,23 +8941,23 @@
                 <a:buSzPct val="75000"/>
               </a:pPr>
               <a:r>
-                <a:rPr lang="en-US" sz="2400" dirty="0" smtClean="0"/>
+                <a:rPr lang="en-US" sz="2400" dirty="0"/>
                 <a:t>pragmatic sentence comprehension (KOBAK, </a:t>
               </a:r>
               <a:r>
-                <a:rPr lang="en-US" sz="2400" dirty="0" err="1" smtClean="0"/>
+                <a:rPr lang="en-US" sz="2400" dirty="0" err="1"/>
                 <a:t>Lukács</a:t>
               </a:r>
               <a:r>
-                <a:rPr lang="en-US" sz="2400" dirty="0" smtClean="0"/>
+                <a:rPr lang="en-US" sz="2400" dirty="0"/>
                 <a:t> &amp; </a:t>
               </a:r>
               <a:r>
-                <a:rPr lang="en-US" sz="2400" dirty="0" err="1" smtClean="0"/>
+                <a:rPr lang="en-US" sz="2400" dirty="0" err="1"/>
                 <a:t>Kas</a:t>
               </a:r>
               <a:r>
-                <a:rPr lang="en-US" sz="2400" dirty="0" smtClean="0"/>
+                <a:rPr lang="en-US" sz="2400" dirty="0"/>
                 <a:t>, in prep.)</a:t>
               </a:r>
             </a:p>
@@ -9197,7 +8975,7 @@
                 <a:buSzPct val="75000"/>
               </a:pPr>
               <a:r>
-                <a:rPr lang="en-US" sz="2400" dirty="0" smtClean="0"/>
+                <a:rPr lang="en-US" sz="2400" dirty="0"/>
                 <a:t>receptive vocabulary task (KOBAK)</a:t>
               </a:r>
             </a:p>
@@ -9260,7 +9038,7 @@
                 <a:buSzPct val="75000"/>
               </a:pPr>
               <a:r>
-                <a:rPr lang="en-US" sz="2400" dirty="0" smtClean="0"/>
+                <a:rPr lang="en-US" sz="2400" dirty="0"/>
                 <a:t>online processing of syntactic and semantic violations</a:t>
               </a:r>
             </a:p>
@@ -9278,7 +9056,7 @@
                 <a:buSzPct val="75000"/>
               </a:pPr>
               <a:r>
-                <a:rPr lang="en-US" sz="2400" dirty="0" smtClean="0"/>
+                <a:rPr lang="en-US" sz="2400" dirty="0"/>
                 <a:t>predictive processing of sentences (Hintz et al., 2023)</a:t>
               </a:r>
             </a:p>
@@ -9323,7 +9101,7 @@
               <a:buNone/>
             </a:pPr>
             <a:r>
-              <a:rPr lang="en-US" sz="1200" dirty="0" smtClean="0">
+              <a:rPr lang="en-US" sz="1200" dirty="0">
                 <a:latin typeface="Montserrat" panose="00000500000000000000" pitchFamily="2" charset="-18"/>
                 <a:ea typeface="Calibri"/>
                 <a:cs typeface="Calibri"/>
@@ -9332,7 +9110,7 @@
               <a:t>The cognitive control I factor consists of the </a:t>
             </a:r>
             <a:r>
-              <a:rPr lang="en-US" sz="1200" dirty="0" err="1" smtClean="0">
+              <a:rPr lang="en-US" sz="1200" dirty="0" err="1">
                 <a:latin typeface="Montserrat" panose="00000500000000000000" pitchFamily="2" charset="-18"/>
                 <a:ea typeface="Calibri"/>
                 <a:cs typeface="Calibri"/>
@@ -9341,7 +9119,7 @@
               <a:t>Stroop</a:t>
             </a:r>
             <a:r>
-              <a:rPr lang="en-US" sz="1200" dirty="0" smtClean="0">
+              <a:rPr lang="en-US" sz="1200" dirty="0">
                 <a:latin typeface="Montserrat" panose="00000500000000000000" pitchFamily="2" charset="-18"/>
                 <a:ea typeface="Calibri"/>
                 <a:cs typeface="Calibri"/>
@@ -9349,12 +9127,6 @@
               </a:rPr>
               <a:t> RT and the visual processing speed decision RT indices. The cognitive control II is a single-index factor and consists of the Simon RT index. The working memory index contains the 1, 2 and 3 back indices. The short term memory factor consists of the forward and backward digit span indices. The cognitive control factors were positively correlated with each other, while the cognitive control and short term and working memory factors were negatively correlated with each other.</a:t>
             </a:r>
-            <a:endParaRPr lang="en-US" sz="1200" dirty="0">
-              <a:latin typeface="Montserrat" panose="00000500000000000000" pitchFamily="2" charset="-18"/>
-              <a:ea typeface="Calibri"/>
-              <a:cs typeface="Calibri"/>
-              <a:sym typeface="Calibri"/>
-            </a:endParaRPr>
           </a:p>
         </p:txBody>
       </p:sp>
@@ -9646,7 +9418,7 @@
               </a:lnSpc>
             </a:pPr>
             <a:r>
-              <a:rPr lang="en-US" sz="8000" dirty="0" smtClean="0">
+              <a:rPr lang="en-US" sz="8000" dirty="0">
                 <a:solidFill>
                   <a:schemeClr val="bg1"/>
                 </a:solidFill>
@@ -9654,12 +9426,6 @@
               </a:rPr>
               <a:t>The effect of statistical learning and general cognitive skills on language processing: a structural equation modeling study</a:t>
             </a:r>
-            <a:endParaRPr lang="en-US" sz="8000" dirty="0">
-              <a:solidFill>
-                <a:schemeClr val="bg1"/>
-              </a:solidFill>
-              <a:latin typeface="Montserrat" panose="00000500000000000000" pitchFamily="2" charset="-18"/>
-            </a:endParaRPr>
           </a:p>
         </p:txBody>
       </p:sp>
@@ -9691,7 +9457,7 @@
               </a:lnSpc>
             </a:pPr>
             <a:r>
-              <a:rPr lang="en-US" sz="2400" dirty="0" err="1" smtClean="0">
+              <a:rPr lang="en-US" sz="2400" dirty="0" err="1">
                 <a:solidFill>
                   <a:schemeClr val="bg1"/>
                 </a:solidFill>
@@ -9700,7 +9466,7 @@
               <a:t>Krisztina</a:t>
             </a:r>
             <a:r>
-              <a:rPr lang="en-US" sz="2400" dirty="0" smtClean="0">
+              <a:rPr lang="en-US" sz="2400" dirty="0">
                 <a:solidFill>
                   <a:schemeClr val="bg1"/>
                 </a:solidFill>
@@ -9709,7 +9475,7 @@
               <a:t> </a:t>
             </a:r>
             <a:r>
-              <a:rPr lang="en-US" sz="2400" dirty="0" err="1" smtClean="0">
+              <a:rPr lang="en-US" sz="2400" dirty="0" err="1">
                 <a:solidFill>
                   <a:schemeClr val="bg1"/>
                 </a:solidFill>
@@ -9718,7 +9484,7 @@
               <a:t>Sára</a:t>
             </a:r>
             <a:r>
-              <a:rPr lang="en-US" sz="2400" dirty="0" smtClean="0">
+              <a:rPr lang="en-US" sz="2400" dirty="0">
                 <a:solidFill>
                   <a:schemeClr val="bg1"/>
                 </a:solidFill>
@@ -9727,7 +9493,7 @@
               <a:t> Lukics</a:t>
             </a:r>
             <a:r>
-              <a:rPr lang="en-US" sz="2400" baseline="30000" dirty="0" smtClean="0">
+              <a:rPr lang="en-US" sz="2400" baseline="30000" dirty="0">
                 <a:solidFill>
                   <a:schemeClr val="bg1"/>
                 </a:solidFill>
@@ -9736,7 +9502,7 @@
               <a:t>1,2</a:t>
             </a:r>
             <a:r>
-              <a:rPr lang="en-US" sz="2400" dirty="0" smtClean="0">
+              <a:rPr lang="en-US" sz="2400" dirty="0">
                 <a:solidFill>
                   <a:schemeClr val="bg1"/>
                 </a:solidFill>
@@ -9745,7 +9511,7 @@
               <a:t>; </a:t>
             </a:r>
             <a:r>
-              <a:rPr lang="en-US" sz="2400" dirty="0" err="1" smtClean="0">
+              <a:rPr lang="en-US" sz="2400" dirty="0" err="1">
                 <a:solidFill>
                   <a:schemeClr val="bg1"/>
                 </a:solidFill>
@@ -9754,7 +9520,7 @@
               <a:t>Dorottya</a:t>
             </a:r>
             <a:r>
-              <a:rPr lang="en-US" sz="2400" dirty="0" smtClean="0">
+              <a:rPr lang="en-US" sz="2400" dirty="0">
                 <a:solidFill>
                   <a:schemeClr val="bg1"/>
                 </a:solidFill>
@@ -9763,7 +9529,7 @@
               <a:t> Dobó</a:t>
             </a:r>
             <a:r>
-              <a:rPr lang="en-US" sz="2400" baseline="30000" dirty="0" smtClean="0">
+              <a:rPr lang="en-US" sz="2400" baseline="30000" dirty="0">
                 <a:solidFill>
                   <a:schemeClr val="bg1"/>
                 </a:solidFill>
@@ -9772,7 +9538,7 @@
               <a:t>1,2</a:t>
             </a:r>
             <a:r>
-              <a:rPr lang="en-US" sz="2400" dirty="0" smtClean="0">
+              <a:rPr lang="en-US" sz="2400" dirty="0">
                 <a:solidFill>
                   <a:schemeClr val="bg1"/>
                 </a:solidFill>
@@ -9781,7 +9547,7 @@
               <a:t>; </a:t>
             </a:r>
             <a:r>
-              <a:rPr lang="en-US" sz="2400" dirty="0" err="1" smtClean="0">
+              <a:rPr lang="en-US" sz="2400" dirty="0" err="1">
                 <a:solidFill>
                   <a:schemeClr val="bg1"/>
                 </a:solidFill>
@@ -9790,7 +9556,7 @@
               <a:t>Bálint</a:t>
             </a:r>
             <a:r>
-              <a:rPr lang="en-US" sz="2400" dirty="0" smtClean="0">
+              <a:rPr lang="en-US" sz="2400" dirty="0">
                 <a:solidFill>
                   <a:schemeClr val="bg1"/>
                 </a:solidFill>
@@ -9799,7 +9565,7 @@
               <a:t> </a:t>
             </a:r>
             <a:r>
-              <a:rPr lang="en-US" sz="2400" dirty="0" err="1" smtClean="0">
+              <a:rPr lang="en-US" sz="2400" dirty="0" err="1">
                 <a:solidFill>
                   <a:schemeClr val="bg1"/>
                 </a:solidFill>
@@ -9808,7 +9574,7 @@
               <a:t>József</a:t>
             </a:r>
             <a:r>
-              <a:rPr lang="en-US" sz="2400" dirty="0" smtClean="0">
+              <a:rPr lang="en-US" sz="2400" dirty="0">
                 <a:solidFill>
                   <a:schemeClr val="bg1"/>
                 </a:solidFill>
@@ -9817,7 +9583,7 @@
               <a:t> Ugrin</a:t>
             </a:r>
             <a:r>
-              <a:rPr lang="en-US" sz="2400" baseline="30000" dirty="0" smtClean="0">
+              <a:rPr lang="en-US" sz="2400" baseline="30000" dirty="0">
                 <a:solidFill>
                   <a:schemeClr val="bg1"/>
                 </a:solidFill>
@@ -9826,7 +9592,7 @@
               <a:t>3,4</a:t>
             </a:r>
             <a:r>
-              <a:rPr lang="en-US" sz="2400" dirty="0" smtClean="0">
+              <a:rPr lang="en-US" sz="2400" dirty="0">
                 <a:solidFill>
                   <a:schemeClr val="bg1"/>
                 </a:solidFill>
@@ -9835,7 +9601,7 @@
               <a:t>; </a:t>
             </a:r>
             <a:r>
-              <a:rPr lang="en-US" sz="2400" dirty="0" err="1" smtClean="0">
+              <a:rPr lang="en-US" sz="2400" dirty="0" err="1">
                 <a:solidFill>
                   <a:schemeClr val="bg1"/>
                 </a:solidFill>
@@ -9844,7 +9610,7 @@
               <a:t>Ágnes</a:t>
             </a:r>
             <a:r>
-              <a:rPr lang="en-US" sz="2400" dirty="0" smtClean="0">
+              <a:rPr lang="en-US" sz="2400" dirty="0">
                 <a:solidFill>
                   <a:schemeClr val="bg1"/>
                 </a:solidFill>
@@ -9853,7 +9619,7 @@
               <a:t> Lukács</a:t>
             </a:r>
             <a:r>
-              <a:rPr lang="en-US" sz="2400" baseline="30000" dirty="0" smtClean="0">
+              <a:rPr lang="en-US" sz="2400" baseline="30000" dirty="0">
                 <a:solidFill>
                   <a:schemeClr val="bg1"/>
                 </a:solidFill>
@@ -9861,12 +9627,6 @@
               </a:rPr>
               <a:t>1,2</a:t>
             </a:r>
-            <a:endParaRPr lang="en-US" sz="2400" baseline="30000" dirty="0">
-              <a:solidFill>
-                <a:schemeClr val="bg1"/>
-              </a:solidFill>
-              <a:latin typeface="Montserrat" panose="00000500000000000000" pitchFamily="2" charset="-18"/>
-            </a:endParaRPr>
           </a:p>
         </p:txBody>
       </p:sp>
@@ -9901,7 +9661,7 @@
               </a:spcAft>
             </a:pPr>
             <a:r>
-              <a:rPr lang="en-US" sz="1200" baseline="30000" dirty="0" smtClean="0">
+              <a:rPr lang="en-US" sz="1200" baseline="30000" dirty="0">
                 <a:solidFill>
                   <a:schemeClr val="bg1"/>
                 </a:solidFill>
@@ -9910,7 +9670,7 @@
               <a:t>1</a:t>
             </a:r>
             <a:r>
-              <a:rPr lang="en-US" sz="1200" dirty="0" smtClean="0">
+              <a:rPr lang="en-US" sz="1200" dirty="0">
                 <a:solidFill>
                   <a:schemeClr val="bg1"/>
                 </a:solidFill>
@@ -9929,7 +9689,7 @@
               </a:spcAft>
             </a:pPr>
             <a:r>
-              <a:rPr lang="en-US" sz="1200" baseline="30000" dirty="0" smtClean="0">
+              <a:rPr lang="en-US" sz="1200" baseline="30000" dirty="0">
                 <a:solidFill>
                   <a:schemeClr val="bg1"/>
                 </a:solidFill>
@@ -9938,7 +9698,7 @@
               <a:t>2</a:t>
             </a:r>
             <a:r>
-              <a:rPr lang="en-US" sz="1200" dirty="0" smtClean="0">
+              <a:rPr lang="en-US" sz="1200" dirty="0">
                 <a:solidFill>
                   <a:schemeClr val="bg1"/>
                 </a:solidFill>
@@ -9947,7 +9707,7 @@
               <a:t>MTA-BME Momentum Language Acquisition Research Group, </a:t>
             </a:r>
             <a:r>
-              <a:rPr lang="en-US" sz="1200" dirty="0" err="1" smtClean="0">
+              <a:rPr lang="en-US" sz="1200" dirty="0" err="1">
                 <a:solidFill>
                   <a:schemeClr val="bg1"/>
                 </a:solidFill>
@@ -9956,7 +9716,7 @@
               <a:t>Eötvös</a:t>
             </a:r>
             <a:r>
-              <a:rPr lang="en-US" sz="1200" dirty="0" smtClean="0">
+              <a:rPr lang="en-US" sz="1200" dirty="0">
                 <a:solidFill>
                   <a:schemeClr val="bg1"/>
                 </a:solidFill>
@@ -9965,7 +9725,7 @@
               <a:t> </a:t>
             </a:r>
             <a:r>
-              <a:rPr lang="en-US" sz="1200" dirty="0" err="1" smtClean="0">
+              <a:rPr lang="en-US" sz="1200" dirty="0" err="1">
                 <a:solidFill>
                   <a:schemeClr val="bg1"/>
                 </a:solidFill>
@@ -9974,7 +9734,7 @@
               <a:t>Loránd</a:t>
             </a:r>
             <a:r>
-              <a:rPr lang="en-US" sz="1200" dirty="0" smtClean="0">
+              <a:rPr lang="en-US" sz="1200" dirty="0">
                 <a:solidFill>
                   <a:schemeClr val="bg1"/>
                 </a:solidFill>
@@ -9993,7 +9753,7 @@
               </a:spcAft>
             </a:pPr>
             <a:r>
-              <a:rPr lang="en-US" sz="1200" baseline="30000" dirty="0" smtClean="0">
+              <a:rPr lang="en-US" sz="1200" baseline="30000" dirty="0">
                 <a:solidFill>
                   <a:schemeClr val="bg1"/>
                 </a:solidFill>
@@ -10002,7 +9762,7 @@
               <a:t>3</a:t>
             </a:r>
             <a:r>
-              <a:rPr lang="en-US" sz="1200" dirty="0" smtClean="0">
+              <a:rPr lang="en-US" sz="1200" dirty="0">
                 <a:solidFill>
                   <a:schemeClr val="bg1"/>
                 </a:solidFill>
@@ -10011,7 +9771,7 @@
               <a:t>Department of Cognitive Psychology, Institute of Psychology, </a:t>
             </a:r>
             <a:r>
-              <a:rPr lang="en-US" sz="1200" dirty="0" err="1" smtClean="0">
+              <a:rPr lang="en-US" sz="1200" dirty="0" err="1">
                 <a:solidFill>
                   <a:schemeClr val="bg1"/>
                 </a:solidFill>
@@ -10020,7 +9780,7 @@
               <a:t>Eötvös</a:t>
             </a:r>
             <a:r>
-              <a:rPr lang="en-US" sz="1200" dirty="0" smtClean="0">
+              <a:rPr lang="en-US" sz="1200" dirty="0">
                 <a:solidFill>
                   <a:schemeClr val="bg1"/>
                 </a:solidFill>
@@ -10029,7 +9789,7 @@
               <a:t> </a:t>
             </a:r>
             <a:r>
-              <a:rPr lang="en-US" sz="1200" dirty="0" err="1" smtClean="0">
+              <a:rPr lang="en-US" sz="1200" dirty="0" err="1">
                 <a:solidFill>
                   <a:schemeClr val="bg1"/>
                 </a:solidFill>
@@ -10038,7 +9798,7 @@
               <a:t>Loránd</a:t>
             </a:r>
             <a:r>
-              <a:rPr lang="en-US" sz="1200" dirty="0" smtClean="0">
+              <a:rPr lang="en-US" sz="1200" dirty="0">
                 <a:solidFill>
                   <a:schemeClr val="bg1"/>
                 </a:solidFill>
@@ -10057,7 +9817,7 @@
               </a:spcAft>
             </a:pPr>
             <a:r>
-              <a:rPr lang="en-US" sz="1200" baseline="30000" dirty="0" smtClean="0">
+              <a:rPr lang="en-US" sz="1200" baseline="30000" dirty="0">
                 <a:solidFill>
                   <a:schemeClr val="bg1"/>
                 </a:solidFill>
@@ -10066,7 +9826,7 @@
               <a:t>4</a:t>
             </a:r>
             <a:r>
-              <a:rPr lang="en-US" sz="1200" dirty="0" smtClean="0">
+              <a:rPr lang="en-US" sz="1200" dirty="0">
                 <a:solidFill>
                   <a:schemeClr val="bg1"/>
                 </a:solidFill>
@@ -10074,12 +9834,6 @@
               </a:rPr>
               <a:t>Psycholinguistics and Neurolinguistics Research Group, Institute for General and Hungarian Linguistics, ELKH Hungarian Research Centre for Linguistics, Budapest, Hungary</a:t>
             </a:r>
-            <a:endParaRPr lang="en-US" sz="1200" dirty="0">
-              <a:solidFill>
-                <a:schemeClr val="bg1"/>
-              </a:solidFill>
-              <a:latin typeface="Montserrat" panose="00000500000000000000" pitchFamily="2" charset="-18"/>
-            </a:endParaRPr>
           </a:p>
         </p:txBody>
       </p:sp>
@@ -10114,7 +9868,7 @@
               </a:spcAft>
             </a:pPr>
             <a:r>
-              <a:rPr lang="en-US" sz="1200" dirty="0" smtClean="0">
+              <a:rPr lang="en-US" sz="1200" dirty="0">
                 <a:solidFill>
                   <a:schemeClr val="bg1"/>
                 </a:solidFill>
@@ -10123,7 +9877,7 @@
               <a:t>This work was supported by the Momentum Research Grant of the Hungarian Academy of Sciences (Momentum 96233 'Profiling learning mechanisms and learners: individual differences from impairments to excellence in statistical learning and in language acquisition', PI: </a:t>
             </a:r>
             <a:r>
-              <a:rPr lang="en-US" sz="1200" dirty="0" err="1" smtClean="0">
+              <a:rPr lang="en-US" sz="1200" dirty="0" err="1">
                 <a:solidFill>
                   <a:schemeClr val="bg1"/>
                 </a:solidFill>
@@ -10132,7 +9886,7 @@
               <a:t>Ágnes</a:t>
             </a:r>
             <a:r>
-              <a:rPr lang="en-US" sz="1200" dirty="0" smtClean="0">
+              <a:rPr lang="en-US" sz="1200" dirty="0">
                 <a:solidFill>
                   <a:schemeClr val="bg1"/>
                 </a:solidFill>
@@ -10141,7 +9895,7 @@
               <a:t> </a:t>
             </a:r>
             <a:r>
-              <a:rPr lang="en-US" sz="1200" dirty="0" err="1" smtClean="0">
+              <a:rPr lang="en-US" sz="1200" dirty="0" err="1">
                 <a:solidFill>
                   <a:schemeClr val="bg1"/>
                 </a:solidFill>
@@ -10198,13 +9952,6 @@
   <p:clrMapOvr>
     <a:masterClrMapping/>
   </p:clrMapOvr>
-  <p:timing>
-    <p:tnLst>
-      <p:par>
-        <p:cTn id="1" dur="indefinite" restart="never" nodeType="tmRoot"/>
-      </p:par>
-    </p:tnLst>
-  </p:timing>
 </p:sld>
 </file>
 

--- a/lingcologne2023/language_SL_SEM.pptx
+++ b/lingcologne2023/language_SL_SEM.pptx
@@ -5298,10 +5298,10 @@
         </p:nvGrpSpPr>
         <p:grpSpPr>
           <a:xfrm>
-            <a:off x="1384300" y="36010431"/>
-            <a:ext cx="27531785" cy="2354619"/>
-            <a:chOff x="1384300" y="35426784"/>
-            <a:chExt cx="25200000" cy="2354619"/>
+            <a:off x="1384300" y="35685438"/>
+            <a:ext cx="27531785" cy="3167021"/>
+            <a:chOff x="1384300" y="35101791"/>
+            <a:chExt cx="25200000" cy="3167021"/>
           </a:xfrm>
         </p:grpSpPr>
         <p:sp>
@@ -5313,7 +5313,7 @@
           <p:spPr>
             <a:xfrm>
               <a:off x="1384300" y="35432671"/>
-              <a:ext cx="12600001" cy="2252027"/>
+              <a:ext cx="12600001" cy="2683812"/>
             </a:xfrm>
             <a:prstGeom prst="rect">
               <a:avLst/>
@@ -5361,11 +5361,11 @@
                 <a:buSzPct val="75000"/>
               </a:pPr>
               <a:r>
-                <a:rPr lang="en-US" sz="2400" dirty="0">
+                <a:rPr lang="en-US" sz="2400" dirty="0" smtClean="0">
                   <a:latin typeface="Montserrat Medium" panose="00000600000000000000" pitchFamily="2" charset="-18"/>
                   <a:ea typeface="Roboto" panose="02000000000000000000" pitchFamily="2" charset="0"/>
                 </a:rPr>
-                <a:t>both statistical learning and language tasks involve shared general cognitive abilities</a:t>
+                <a:t>both statistical learning and language tasks strongly rely on a shared set of general cognitive abilities</a:t>
               </a:r>
             </a:p>
             <a:p>
@@ -5384,7 +5384,7 @@
                 <a:buChar char="●"/>
               </a:pPr>
               <a:r>
-                <a:rPr lang="en-US" sz="2400" dirty="0">
+                <a:rPr lang="en-US" sz="2400" dirty="0" smtClean="0">
                   <a:latin typeface="Montserrat" panose="00000500000000000000" pitchFamily="2" charset="-18"/>
                   <a:ea typeface="Roboto" panose="02000000000000000000" pitchFamily="2" charset="0"/>
                 </a:rPr>
@@ -5407,12 +5407,16 @@
                 <a:buChar char="●"/>
               </a:pPr>
               <a:r>
-                <a:rPr lang="en-US" sz="2400" dirty="0">
+                <a:rPr lang="en-US" sz="2400" dirty="0" smtClean="0">
                   <a:latin typeface="Montserrat" panose="00000500000000000000" pitchFamily="2" charset="-18"/>
                   <a:ea typeface="Roboto" panose="02000000000000000000" pitchFamily="2" charset="0"/>
                 </a:rPr>
                 <a:t>offline statistical learning measures contribute to variance in offline (but not online, predictive) linguistic measures even beyond cognitive abilities</a:t>
               </a:r>
+              <a:endParaRPr lang="en-US" sz="2400" dirty="0">
+                <a:latin typeface="Montserrat" panose="00000500000000000000" pitchFamily="2" charset="-18"/>
+                <a:ea typeface="Roboto" panose="02000000000000000000" pitchFamily="2" charset="0"/>
+              </a:endParaRPr>
             </a:p>
           </p:txBody>
         </p:sp>
@@ -5424,8 +5428,8 @@
           </p:nvSpPr>
           <p:spPr>
             <a:xfrm>
-              <a:off x="13984300" y="35426784"/>
-              <a:ext cx="12600000" cy="2354619"/>
+              <a:off x="13984300" y="35101791"/>
+              <a:ext cx="12600000" cy="3167021"/>
             </a:xfrm>
             <a:prstGeom prst="rect">
               <a:avLst/>
@@ -5476,7 +5480,7 @@
                 <a:buSzPct val="75000"/>
               </a:pPr>
               <a:r>
-                <a:rPr lang="en-US" sz="2400" dirty="0">
+                <a:rPr lang="en-US" sz="2400" dirty="0" smtClean="0">
                   <a:latin typeface="Montserrat Medium" panose="00000600000000000000" pitchFamily="2" charset="-18"/>
                   <a:ea typeface="Roboto" panose="02000000000000000000" pitchFamily="2" charset="0"/>
                 </a:rPr>
@@ -5499,35 +5503,39 @@
                 <a:buChar char="●"/>
               </a:pPr>
               <a:r>
-                <a:rPr lang="en-US" sz="2400" dirty="0">
+                <a:rPr lang="en-US" sz="2400" dirty="0" smtClean="0">
                   <a:latin typeface="Montserrat" panose="00000500000000000000" pitchFamily="2" charset="-18"/>
                   <a:ea typeface="Roboto" panose="02000000000000000000" pitchFamily="2" charset="0"/>
                 </a:rPr>
-                <a:t>what is the source of the remaining shared variance between offline statistical learning and offline language performance?</a:t>
-              </a:r>
-            </a:p>
-            <a:p>
-              <a:pPr marL="0" lvl="1">
-                <a:lnSpc>
-                  <a:spcPct val="110000"/>
-                </a:lnSpc>
-                <a:spcBef>
-                  <a:spcPts val="200"/>
-                </a:spcBef>
-                <a:spcAft>
-                  <a:spcPts val="600"/>
-                </a:spcAft>
-                <a:buClr>
-                  <a:srgbClr val="438779"/>
-                </a:buClr>
-                <a:buSzPct val="75000"/>
-              </a:pPr>
-              <a:r>
-                <a:rPr lang="en-US" sz="2400" dirty="0">
-                  <a:latin typeface="Montserrat Medium" panose="00000600000000000000" pitchFamily="2" charset="-18"/>
+                <a:t>why is the relationship between offline </a:t>
+              </a:r>
+              <a:r>
+                <a:rPr lang="en-US" sz="2400" dirty="0" smtClean="0">
+                  <a:latin typeface="Montserrat" panose="00000500000000000000" pitchFamily="2" charset="-18"/>
                   <a:ea typeface="Roboto" panose="02000000000000000000" pitchFamily="2" charset="0"/>
                 </a:rPr>
-                <a:t>future directions:</a:t>
+                <a:t>measure</a:t>
+              </a:r>
+              <a:r>
+                <a:rPr lang="hu-HU" sz="2400" dirty="0" smtClean="0">
+                  <a:latin typeface="Montserrat" panose="00000500000000000000" pitchFamily="2" charset="-18"/>
+                  <a:ea typeface="Roboto" panose="02000000000000000000" pitchFamily="2" charset="0"/>
+                </a:rPr>
+                <a:t>s</a:t>
+              </a:r>
+              <a:r>
+                <a:rPr lang="en-US" sz="2400" dirty="0" smtClean="0">
+                  <a:latin typeface="Montserrat" panose="00000500000000000000" pitchFamily="2" charset="-18"/>
+                  <a:ea typeface="Roboto" panose="02000000000000000000" pitchFamily="2" charset="0"/>
+                </a:rPr>
+                <a:t> </a:t>
+              </a:r>
+              <a:r>
+                <a:rPr lang="en-US" sz="2400" dirty="0" smtClean="0">
+                  <a:latin typeface="Montserrat" panose="00000500000000000000" pitchFamily="2" charset="-18"/>
+                  <a:ea typeface="Roboto" panose="02000000000000000000" pitchFamily="2" charset="0"/>
+                </a:rPr>
+                <a:t>of statistical learning and language abilities stronger than the relationship with offline statistical learning measures ?</a:t>
               </a:r>
             </a:p>
             <a:p>
@@ -5546,12 +5554,60 @@
                 <a:buChar char="●"/>
               </a:pPr>
               <a:r>
-                <a:rPr lang="en-US" sz="2400" dirty="0">
+                <a:rPr lang="en-US" sz="2400" dirty="0" smtClean="0">
                   <a:latin typeface="Montserrat" panose="00000500000000000000" pitchFamily="2" charset="-18"/>
                   <a:ea typeface="Roboto" panose="02000000000000000000" pitchFamily="2" charset="0"/>
                 </a:rPr>
-                <a:t>using more targeted tasks of statistical learning and language</a:t>
-              </a:r>
+                <a:t>can statistical </a:t>
+              </a:r>
+              <a:r>
+                <a:rPr lang="hu-HU" sz="2400" dirty="0" err="1" smtClean="0">
+                  <a:latin typeface="Montserrat" panose="00000500000000000000" pitchFamily="2" charset="-18"/>
+                  <a:ea typeface="Roboto" panose="02000000000000000000" pitchFamily="2" charset="0"/>
+                </a:rPr>
+                <a:t>learning</a:t>
+              </a:r>
+              <a:r>
+                <a:rPr lang="hu-HU" sz="2400" dirty="0" smtClean="0">
+                  <a:latin typeface="Montserrat" panose="00000500000000000000" pitchFamily="2" charset="-18"/>
+                  <a:ea typeface="Roboto" panose="02000000000000000000" pitchFamily="2" charset="0"/>
+                </a:rPr>
+                <a:t> </a:t>
+              </a:r>
+              <a:r>
+                <a:rPr lang="en-US" sz="2400" dirty="0" smtClean="0">
+                  <a:latin typeface="Montserrat" panose="00000500000000000000" pitchFamily="2" charset="-18"/>
+                  <a:ea typeface="Roboto" panose="02000000000000000000" pitchFamily="2" charset="0"/>
+                </a:rPr>
+                <a:t>measures be improved to be less confounded by other cognitive abilities? </a:t>
+              </a:r>
+            </a:p>
+            <a:p>
+              <a:pPr marL="365125" lvl="1" indent="-365125">
+                <a:lnSpc>
+                  <a:spcPct val="110000"/>
+                </a:lnSpc>
+                <a:spcAft>
+                  <a:spcPts val="600"/>
+                </a:spcAft>
+                <a:buClr>
+                  <a:srgbClr val="438779"/>
+                </a:buClr>
+                <a:buSzPct val="75000"/>
+                <a:buFont typeface="Calibri" panose="020F0502020204030204" pitchFamily="34" charset="0"/>
+                <a:buChar char="●"/>
+              </a:pPr>
+              <a:r>
+                <a:rPr lang="en-US" sz="2400" dirty="0" smtClean="0">
+                  <a:latin typeface="Montserrat" panose="00000500000000000000" pitchFamily="2" charset="-18"/>
+                  <a:ea typeface="Roboto" panose="02000000000000000000" pitchFamily="2" charset="0"/>
+                </a:rPr>
+                <a:t>what are the aspects of language where the relationship with statistical learning is well motivated?</a:t>
+              </a:r>
+              <a:endParaRPr lang="en-US" sz="2400" dirty="0">
+                <a:latin typeface="Montserrat" panose="00000500000000000000" pitchFamily="2" charset="-18"/>
+                <a:ea typeface="Roboto" panose="02000000000000000000" pitchFamily="2" charset="0"/>
+              </a:endParaRPr>
             </a:p>
           </p:txBody>
         </p:sp>
